--- a/IntroPython_TipsForSuccess.pptx
+++ b/IntroPython_TipsForSuccess.pptx
@@ -5,7 +5,7 @@
     <p:sldMasterId id="2147483792" r:id="rId1"/>
   </p:sldMasterIdLst>
   <p:notesMasterIdLst>
-    <p:notesMasterId r:id="rId46"/>
+    <p:notesMasterId r:id="rId47"/>
   </p:notesMasterIdLst>
   <p:sldIdLst>
     <p:sldId id="256" r:id="rId2"/>
@@ -14,44 +14,45 @@
     <p:sldId id="266" r:id="rId5"/>
     <p:sldId id="271" r:id="rId6"/>
     <p:sldId id="270" r:id="rId7"/>
-    <p:sldId id="258" r:id="rId8"/>
-    <p:sldId id="278" r:id="rId9"/>
-    <p:sldId id="279" r:id="rId10"/>
-    <p:sldId id="280" r:id="rId11"/>
-    <p:sldId id="281" r:id="rId12"/>
-    <p:sldId id="283" r:id="rId13"/>
-    <p:sldId id="284" r:id="rId14"/>
-    <p:sldId id="306" r:id="rId15"/>
-    <p:sldId id="285" r:id="rId16"/>
-    <p:sldId id="286" r:id="rId17"/>
-    <p:sldId id="295" r:id="rId18"/>
-    <p:sldId id="294" r:id="rId19"/>
-    <p:sldId id="293" r:id="rId20"/>
-    <p:sldId id="292" r:id="rId21"/>
-    <p:sldId id="290" r:id="rId22"/>
-    <p:sldId id="262" r:id="rId23"/>
-    <p:sldId id="291" r:id="rId24"/>
-    <p:sldId id="259" r:id="rId25"/>
-    <p:sldId id="307" r:id="rId26"/>
-    <p:sldId id="308" r:id="rId27"/>
-    <p:sldId id="309" r:id="rId28"/>
-    <p:sldId id="310" r:id="rId29"/>
-    <p:sldId id="311" r:id="rId30"/>
-    <p:sldId id="276" r:id="rId31"/>
-    <p:sldId id="273" r:id="rId32"/>
-    <p:sldId id="296" r:id="rId33"/>
-    <p:sldId id="297" r:id="rId34"/>
-    <p:sldId id="298" r:id="rId35"/>
-    <p:sldId id="299" r:id="rId36"/>
-    <p:sldId id="300" r:id="rId37"/>
-    <p:sldId id="264" r:id="rId38"/>
-    <p:sldId id="301" r:id="rId39"/>
-    <p:sldId id="302" r:id="rId40"/>
-    <p:sldId id="303" r:id="rId41"/>
-    <p:sldId id="304" r:id="rId42"/>
-    <p:sldId id="305" r:id="rId43"/>
-    <p:sldId id="275" r:id="rId44"/>
-    <p:sldId id="267" r:id="rId45"/>
+    <p:sldId id="312" r:id="rId8"/>
+    <p:sldId id="258" r:id="rId9"/>
+    <p:sldId id="278" r:id="rId10"/>
+    <p:sldId id="279" r:id="rId11"/>
+    <p:sldId id="280" r:id="rId12"/>
+    <p:sldId id="281" r:id="rId13"/>
+    <p:sldId id="283" r:id="rId14"/>
+    <p:sldId id="284" r:id="rId15"/>
+    <p:sldId id="306" r:id="rId16"/>
+    <p:sldId id="285" r:id="rId17"/>
+    <p:sldId id="286" r:id="rId18"/>
+    <p:sldId id="295" r:id="rId19"/>
+    <p:sldId id="294" r:id="rId20"/>
+    <p:sldId id="293" r:id="rId21"/>
+    <p:sldId id="292" r:id="rId22"/>
+    <p:sldId id="290" r:id="rId23"/>
+    <p:sldId id="262" r:id="rId24"/>
+    <p:sldId id="291" r:id="rId25"/>
+    <p:sldId id="259" r:id="rId26"/>
+    <p:sldId id="307" r:id="rId27"/>
+    <p:sldId id="308" r:id="rId28"/>
+    <p:sldId id="309" r:id="rId29"/>
+    <p:sldId id="310" r:id="rId30"/>
+    <p:sldId id="311" r:id="rId31"/>
+    <p:sldId id="276" r:id="rId32"/>
+    <p:sldId id="273" r:id="rId33"/>
+    <p:sldId id="296" r:id="rId34"/>
+    <p:sldId id="297" r:id="rId35"/>
+    <p:sldId id="298" r:id="rId36"/>
+    <p:sldId id="299" r:id="rId37"/>
+    <p:sldId id="300" r:id="rId38"/>
+    <p:sldId id="264" r:id="rId39"/>
+    <p:sldId id="301" r:id="rId40"/>
+    <p:sldId id="302" r:id="rId41"/>
+    <p:sldId id="303" r:id="rId42"/>
+    <p:sldId id="304" r:id="rId43"/>
+    <p:sldId id="305" r:id="rId44"/>
+    <p:sldId id="275" r:id="rId45"/>
+    <p:sldId id="267" r:id="rId46"/>
   </p:sldIdLst>
   <p:sldSz cx="12192000" cy="6858000"/>
   <p:notesSz cx="6858000" cy="9144000"/>
@@ -240,7 +241,7 @@
           <a:p>
             <a:fld id="{A5E0BFC4-8313-4166-9F8C-AEF6252D3F15}" type="datetimeFigureOut">
               <a:rPr lang="en-US" smtClean="0"/>
-              <a:t>2/11/2020</a:t>
+              <a:t>2/12/2020</a:t>
             </a:fld>
             <a:endParaRPr lang="en-US"/>
           </a:p>
@@ -874,7 +875,7 @@
           <a:p>
             <a:fld id="{697E48F7-EB74-4477-B245-F8CECF7C0C00}" type="datetimeFigureOut">
               <a:rPr lang="en-US" smtClean="0"/>
-              <a:t>2/11/2020</a:t>
+              <a:t>2/12/2020</a:t>
             </a:fld>
             <a:endParaRPr lang="en-US"/>
           </a:p>
@@ -1121,7 +1122,7 @@
           <a:p>
             <a:fld id="{697E48F7-EB74-4477-B245-F8CECF7C0C00}" type="datetimeFigureOut">
               <a:rPr lang="en-US" smtClean="0"/>
-              <a:t>2/11/2020</a:t>
+              <a:t>2/12/2020</a:t>
             </a:fld>
             <a:endParaRPr lang="en-US"/>
           </a:p>
@@ -1507,7 +1508,7 @@
           <a:p>
             <a:fld id="{697E48F7-EB74-4477-B245-F8CECF7C0C00}" type="datetimeFigureOut">
               <a:rPr lang="en-US" smtClean="0"/>
-              <a:t>2/11/2020</a:t>
+              <a:t>2/12/2020</a:t>
             </a:fld>
             <a:endParaRPr lang="en-US"/>
           </a:p>
@@ -1736,7 +1737,7 @@
           <a:p>
             <a:fld id="{697E48F7-EB74-4477-B245-F8CECF7C0C00}" type="datetimeFigureOut">
               <a:rPr lang="en-US" smtClean="0"/>
-              <a:t>2/11/2020</a:t>
+              <a:t>2/12/2020</a:t>
             </a:fld>
             <a:endParaRPr lang="en-US"/>
           </a:p>
@@ -2227,7 +2228,7 @@
           <a:p>
             <a:fld id="{697E48F7-EB74-4477-B245-F8CECF7C0C00}" type="datetimeFigureOut">
               <a:rPr lang="en-US" smtClean="0"/>
-              <a:t>2/11/2020</a:t>
+              <a:t>2/12/2020</a:t>
             </a:fld>
             <a:endParaRPr lang="en-US"/>
           </a:p>
@@ -2537,7 +2538,7 @@
           <a:p>
             <a:fld id="{697E48F7-EB74-4477-B245-F8CECF7C0C00}" type="datetimeFigureOut">
               <a:rPr lang="en-US" smtClean="0"/>
-              <a:t>2/11/2020</a:t>
+              <a:t>2/12/2020</a:t>
             </a:fld>
             <a:endParaRPr lang="en-US"/>
           </a:p>
@@ -2928,7 +2929,7 @@
           <a:p>
             <a:fld id="{697E48F7-EB74-4477-B245-F8CECF7C0C00}" type="datetimeFigureOut">
               <a:rPr lang="en-US" smtClean="0"/>
-              <a:t>2/11/2020</a:t>
+              <a:t>2/12/2020</a:t>
             </a:fld>
             <a:endParaRPr lang="en-US"/>
           </a:p>
@@ -3046,7 +3047,7 @@
           <a:p>
             <a:fld id="{697E48F7-EB74-4477-B245-F8CECF7C0C00}" type="datetimeFigureOut">
               <a:rPr lang="en-US" smtClean="0"/>
-              <a:t>2/11/2020</a:t>
+              <a:t>2/12/2020</a:t>
             </a:fld>
             <a:endParaRPr lang="en-US"/>
           </a:p>
@@ -3141,7 +3142,7 @@
           <a:p>
             <a:fld id="{697E48F7-EB74-4477-B245-F8CECF7C0C00}" type="datetimeFigureOut">
               <a:rPr lang="en-US" smtClean="0"/>
-              <a:t>2/11/2020</a:t>
+              <a:t>2/12/2020</a:t>
             </a:fld>
             <a:endParaRPr lang="en-US"/>
           </a:p>
@@ -3441,7 +3442,7 @@
           <a:p>
             <a:fld id="{697E48F7-EB74-4477-B245-F8CECF7C0C00}" type="datetimeFigureOut">
               <a:rPr lang="en-US" smtClean="0"/>
-              <a:t>2/11/2020</a:t>
+              <a:t>2/12/2020</a:t>
             </a:fld>
             <a:endParaRPr lang="en-US"/>
           </a:p>
@@ -3706,7 +3707,7 @@
           <a:p>
             <a:fld id="{697E48F7-EB74-4477-B245-F8CECF7C0C00}" type="datetimeFigureOut">
               <a:rPr lang="en-US" smtClean="0"/>
-              <a:t>2/11/2020</a:t>
+              <a:t>2/12/2020</a:t>
             </a:fld>
             <a:endParaRPr lang="en-US"/>
           </a:p>
@@ -4124,7 +4125,7 @@
           <a:p>
             <a:fld id="{697E48F7-EB74-4477-B245-F8CECF7C0C00}" type="datetimeFigureOut">
               <a:rPr lang="en-US" smtClean="0"/>
-              <a:t>2/11/2020</a:t>
+              <a:t>2/12/2020</a:t>
             </a:fld>
             <a:endParaRPr lang="en-US"/>
           </a:p>
@@ -5263,6 +5264,262 @@
           <p:cNvPr id="7" name="Speech Bubble: Rectangle 6">
             <a:extLst>
               <a:ext uri="{FF2B5EF4-FFF2-40B4-BE49-F238E27FC236}">
+                <a16:creationId xmlns:a16="http://schemas.microsoft.com/office/drawing/2014/main" id="{7EE11EDD-7EA5-48E1-BC1B-4428AA9E289F}"/>
+              </a:ext>
+            </a:extLst>
+          </p:cNvPr>
+          <p:cNvSpPr/>
+          <p:nvPr/>
+        </p:nvSpPr>
+        <p:spPr>
+          <a:xfrm>
+            <a:off x="7222922" y="2768603"/>
+            <a:ext cx="2499919" cy="1156532"/>
+          </a:xfrm>
+          <a:prstGeom prst="wedgeRectCallout">
+            <a:avLst>
+              <a:gd name="adj1" fmla="val -79557"/>
+              <a:gd name="adj2" fmla="val 116177"/>
+            </a:avLst>
+          </a:prstGeom>
+        </p:spPr>
+        <p:style>
+          <a:lnRef idx="2">
+            <a:schemeClr val="accent1">
+              <a:shade val="50000"/>
+            </a:schemeClr>
+          </a:lnRef>
+          <a:fillRef idx="1">
+            <a:schemeClr val="accent1"/>
+          </a:fillRef>
+          <a:effectRef idx="0">
+            <a:schemeClr val="accent1"/>
+          </a:effectRef>
+          <a:fontRef idx="minor">
+            <a:schemeClr val="lt1"/>
+          </a:fontRef>
+        </p:style>
+        <p:txBody>
+          <a:bodyPr rtlCol="0" anchor="ctr"/>
+          <a:lstStyle/>
+          <a:p>
+            <a:pPr algn="ctr"/>
+            <a:r>
+              <a:rPr lang="en-US" dirty="0"/>
+              <a:t>Returns summary of the </a:t>
+            </a:r>
+            <a:r>
+              <a:rPr lang="en-US" dirty="0" err="1"/>
+              <a:t>DataFrame</a:t>
+            </a:r>
+            <a:r>
+              <a:rPr lang="en-US" dirty="0"/>
+              <a:t> (df) </a:t>
+            </a:r>
+          </a:p>
+        </p:txBody>
+      </p:sp>
+    </p:spTree>
+    <p:extLst>
+      <p:ext uri="{BB962C8B-B14F-4D97-AF65-F5344CB8AC3E}">
+        <p14:creationId xmlns:p14="http://schemas.microsoft.com/office/powerpoint/2010/main" val="1944344715"/>
+      </p:ext>
+    </p:extLst>
+  </p:cSld>
+  <p:clrMapOvr>
+    <a:masterClrMapping/>
+  </p:clrMapOvr>
+</p:sld>
+</file>
+
+<file path=ppt/slides/slide11.xml><?xml version="1.0" encoding="utf-8"?>
+<p:sld xmlns:a="http://schemas.openxmlformats.org/drawingml/2006/main" xmlns:r="http://schemas.openxmlformats.org/officeDocument/2006/relationships" xmlns:p="http://schemas.openxmlformats.org/presentationml/2006/main">
+  <p:cSld>
+    <p:spTree>
+      <p:nvGrpSpPr>
+        <p:cNvPr id="1" name=""/>
+        <p:cNvGrpSpPr/>
+        <p:nvPr/>
+      </p:nvGrpSpPr>
+      <p:grpSpPr>
+        <a:xfrm>
+          <a:off x="0" y="0"/>
+          <a:ext cx="0" cy="0"/>
+          <a:chOff x="0" y="0"/>
+          <a:chExt cx="0" cy="0"/>
+        </a:xfrm>
+      </p:grpSpPr>
+      <p:sp>
+        <p:nvSpPr>
+          <p:cNvPr id="4" name="Title 3">
+            <a:extLst>
+              <a:ext uri="{FF2B5EF4-FFF2-40B4-BE49-F238E27FC236}">
+                <a16:creationId xmlns:a16="http://schemas.microsoft.com/office/drawing/2014/main" id="{74FAA121-F7E4-4AC3-B95C-A489E0AB9DC7}"/>
+              </a:ext>
+            </a:extLst>
+          </p:cNvPr>
+          <p:cNvSpPr>
+            <a:spLocks noGrp="1"/>
+          </p:cNvSpPr>
+          <p:nvPr>
+            <p:ph type="title"/>
+          </p:nvPr>
+        </p:nvSpPr>
+        <p:spPr/>
+        <p:txBody>
+          <a:bodyPr/>
+          <a:lstStyle/>
+          <a:p>
+            <a:pPr algn="ctr"/>
+            <a:r>
+              <a:rPr lang="en-US" dirty="0"/>
+              <a:t>Tip #1:</a:t>
+            </a:r>
+            <a:br>
+              <a:rPr lang="en-US" dirty="0"/>
+            </a:br>
+            <a:br>
+              <a:rPr lang="en-US" sz="3200" dirty="0"/>
+            </a:br>
+            <a:r>
+              <a:rPr lang="en-US" dirty="0"/>
+              <a:t>Evaluate column names and types</a:t>
+            </a:r>
+          </a:p>
+        </p:txBody>
+      </p:sp>
+      <p:sp>
+        <p:nvSpPr>
+          <p:cNvPr id="5" name="Content Placeholder 4">
+            <a:extLst>
+              <a:ext uri="{FF2B5EF4-FFF2-40B4-BE49-F238E27FC236}">
+                <a16:creationId xmlns:a16="http://schemas.microsoft.com/office/drawing/2014/main" id="{E91B4B73-09DA-4A04-9226-AA0707B86FAE}"/>
+              </a:ext>
+            </a:extLst>
+          </p:cNvPr>
+          <p:cNvSpPr>
+            <a:spLocks noGrp="1"/>
+          </p:cNvSpPr>
+          <p:nvPr>
+            <p:ph sz="half" idx="1"/>
+          </p:nvPr>
+        </p:nvSpPr>
+        <p:spPr/>
+        <p:txBody>
+          <a:bodyPr>
+            <a:normAutofit/>
+          </a:bodyPr>
+          <a:lstStyle/>
+          <a:p>
+            <a:r>
+              <a:rPr lang="en-US" dirty="0"/>
+              <a:t>Consistent names are easier to read</a:t>
+            </a:r>
+          </a:p>
+          <a:p>
+            <a:r>
+              <a:rPr lang="en-US" dirty="0"/>
+              <a:t>Lower case is the best case </a:t>
+            </a:r>
+          </a:p>
+          <a:p>
+            <a:r>
+              <a:rPr lang="en-US" dirty="0"/>
+              <a:t>Remove special characters and spaces </a:t>
+            </a:r>
+          </a:p>
+          <a:p>
+            <a:r>
+              <a:rPr lang="en-US" dirty="0"/>
+              <a:t>Make your life simpler! </a:t>
+            </a:r>
+          </a:p>
+          <a:p>
+            <a:endParaRPr lang="en-US" dirty="0"/>
+          </a:p>
+        </p:txBody>
+      </p:sp>
+      <p:sp>
+        <p:nvSpPr>
+          <p:cNvPr id="6" name="Content Placeholder 5">
+            <a:extLst>
+              <a:ext uri="{FF2B5EF4-FFF2-40B4-BE49-F238E27FC236}">
+                <a16:creationId xmlns:a16="http://schemas.microsoft.com/office/drawing/2014/main" id="{699F1543-E86D-4549-878C-71227D399F59}"/>
+              </a:ext>
+            </a:extLst>
+          </p:cNvPr>
+          <p:cNvSpPr>
+            <a:spLocks noGrp="1"/>
+          </p:cNvSpPr>
+          <p:nvPr>
+            <p:ph sz="half" idx="2"/>
+          </p:nvPr>
+        </p:nvSpPr>
+        <p:spPr>
+          <a:xfrm>
+            <a:off x="5181600" y="3511131"/>
+            <a:ext cx="6248400" cy="2482228"/>
+          </a:xfrm>
+        </p:spPr>
+        <p:txBody>
+          <a:bodyPr>
+            <a:normAutofit/>
+          </a:bodyPr>
+          <a:lstStyle/>
+          <a:p>
+            <a:pPr marL="0" indent="0" algn="just">
+              <a:buNone/>
+            </a:pPr>
+            <a:r>
+              <a:rPr lang="en-US" u="sng" dirty="0"/>
+              <a:t>Code:</a:t>
+            </a:r>
+          </a:p>
+          <a:p>
+            <a:pPr algn="just"/>
+            <a:r>
+              <a:rPr lang="en-US" dirty="0" err="1"/>
+              <a:t>df.shape</a:t>
+            </a:r>
+            <a:endParaRPr lang="en-US" dirty="0"/>
+          </a:p>
+          <a:p>
+            <a:pPr algn="just"/>
+            <a:r>
+              <a:rPr lang="en-US" dirty="0"/>
+              <a:t>df.info()</a:t>
+            </a:r>
+          </a:p>
+          <a:p>
+            <a:pPr algn="just"/>
+            <a:r>
+              <a:rPr lang="en-US" dirty="0" err="1"/>
+              <a:t>df.dtypes</a:t>
+            </a:r>
+            <a:r>
+              <a:rPr lang="en-US" dirty="0"/>
+              <a:t>()</a:t>
+            </a:r>
+          </a:p>
+          <a:p>
+            <a:pPr algn="just"/>
+            <a:r>
+              <a:rPr lang="en-US" dirty="0" err="1"/>
+              <a:t>df.columns</a:t>
+            </a:r>
+            <a:endParaRPr lang="en-US" dirty="0"/>
+          </a:p>
+          <a:p>
+            <a:pPr algn="just"/>
+            <a:endParaRPr lang="en-US" dirty="0"/>
+          </a:p>
+        </p:txBody>
+      </p:sp>
+      <p:sp>
+        <p:nvSpPr>
+          <p:cNvPr id="7" name="Speech Bubble: Rectangle 6">
+            <a:extLst>
+              <a:ext uri="{FF2B5EF4-FFF2-40B4-BE49-F238E27FC236}">
                 <a16:creationId xmlns:a16="http://schemas.microsoft.com/office/drawing/2014/main" id="{444E0740-5ABF-4B05-86DD-9D330E3BFCE2}"/>
               </a:ext>
             </a:extLst>
@@ -5336,7 +5593,7 @@
 </p:sld>
 </file>
 
-<file path=ppt/slides/slide11.xml><?xml version="1.0" encoding="utf-8"?>
+<file path=ppt/slides/slide12.xml><?xml version="1.0" encoding="utf-8"?>
 <p:sld xmlns:a="http://schemas.openxmlformats.org/drawingml/2006/main" xmlns:r="http://schemas.openxmlformats.org/officeDocument/2006/relationships" xmlns:p="http://schemas.openxmlformats.org/presentationml/2006/main">
   <p:cSld>
     <p:spTree>
@@ -5584,7 +5841,7 @@
 </p:sld>
 </file>
 
-<file path=ppt/slides/slide12.xml><?xml version="1.0" encoding="utf-8"?>
+<file path=ppt/slides/slide13.xml><?xml version="1.0" encoding="utf-8"?>
 <p:sld xmlns:a="http://schemas.openxmlformats.org/drawingml/2006/main" xmlns:r="http://schemas.openxmlformats.org/officeDocument/2006/relationships" xmlns:p="http://schemas.openxmlformats.org/presentationml/2006/main">
   <p:cSld>
     <p:spTree>
@@ -5838,7 +6095,7 @@
 </p:sld>
 </file>
 
-<file path=ppt/slides/slide13.xml><?xml version="1.0" encoding="utf-8"?>
+<file path=ppt/slides/slide14.xml><?xml version="1.0" encoding="utf-8"?>
 <p:sld xmlns:a="http://schemas.openxmlformats.org/drawingml/2006/main" xmlns:r="http://schemas.openxmlformats.org/officeDocument/2006/relationships" xmlns:p="http://schemas.openxmlformats.org/presentationml/2006/main">
   <p:cSld>
     <p:spTree>
@@ -6114,7 +6371,7 @@
 </p:sld>
 </file>
 
-<file path=ppt/slides/slide14.xml><?xml version="1.0" encoding="utf-8"?>
+<file path=ppt/slides/slide15.xml><?xml version="1.0" encoding="utf-8"?>
 <p:sld xmlns:a="http://schemas.openxmlformats.org/drawingml/2006/main" xmlns:r="http://schemas.openxmlformats.org/officeDocument/2006/relationships" xmlns:p="http://schemas.openxmlformats.org/presentationml/2006/main">
   <p:cSld>
     <p:spTree>
@@ -6390,7 +6647,7 @@
 </p:sld>
 </file>
 
-<file path=ppt/slides/slide15.xml><?xml version="1.0" encoding="utf-8"?>
+<file path=ppt/slides/slide16.xml><?xml version="1.0" encoding="utf-8"?>
 <p:sld xmlns:a="http://schemas.openxmlformats.org/drawingml/2006/main" xmlns:r="http://schemas.openxmlformats.org/officeDocument/2006/relationships" xmlns:p="http://schemas.openxmlformats.org/presentationml/2006/main">
   <p:cSld>
     <p:spTree>
@@ -6666,7 +6923,7 @@
 </p:sld>
 </file>
 
-<file path=ppt/slides/slide16.xml><?xml version="1.0" encoding="utf-8"?>
+<file path=ppt/slides/slide17.xml><?xml version="1.0" encoding="utf-8"?>
 <p:sld xmlns:a="http://schemas.openxmlformats.org/drawingml/2006/main" xmlns:r="http://schemas.openxmlformats.org/officeDocument/2006/relationships" xmlns:p="http://schemas.openxmlformats.org/presentationml/2006/main">
   <p:cSld>
     <p:spTree>
@@ -6942,7 +7199,7 @@
 </p:sld>
 </file>
 
-<file path=ppt/slides/slide17.xml><?xml version="1.0" encoding="utf-8"?>
+<file path=ppt/slides/slide18.xml><?xml version="1.0" encoding="utf-8"?>
 <p:sld xmlns:a="http://schemas.openxmlformats.org/drawingml/2006/main" xmlns:r="http://schemas.openxmlformats.org/officeDocument/2006/relationships" xmlns:p="http://schemas.openxmlformats.org/presentationml/2006/main">
   <p:cSld>
     <p:spTree>
@@ -7147,7 +7404,7 @@
 </p:sld>
 </file>
 
-<file path=ppt/slides/slide18.xml><?xml version="1.0" encoding="utf-8"?>
+<file path=ppt/slides/slide19.xml><?xml version="1.0" encoding="utf-8"?>
 <p:sld xmlns:a="http://schemas.openxmlformats.org/drawingml/2006/main" xmlns:r="http://schemas.openxmlformats.org/officeDocument/2006/relationships" xmlns:p="http://schemas.openxmlformats.org/presentationml/2006/main">
   <p:cSld>
     <p:spTree>
@@ -7395,263 +7652,6 @@
     <p:extLst>
       <p:ext uri="{BB962C8B-B14F-4D97-AF65-F5344CB8AC3E}">
         <p14:creationId xmlns:p14="http://schemas.microsoft.com/office/powerpoint/2010/main" val="4068247508"/>
-      </p:ext>
-    </p:extLst>
-  </p:cSld>
-  <p:clrMapOvr>
-    <a:masterClrMapping/>
-  </p:clrMapOvr>
-</p:sld>
-</file>
-
-<file path=ppt/slides/slide19.xml><?xml version="1.0" encoding="utf-8"?>
-<p:sld xmlns:a="http://schemas.openxmlformats.org/drawingml/2006/main" xmlns:r="http://schemas.openxmlformats.org/officeDocument/2006/relationships" xmlns:p="http://schemas.openxmlformats.org/presentationml/2006/main">
-  <p:cSld>
-    <p:spTree>
-      <p:nvGrpSpPr>
-        <p:cNvPr id="1" name=""/>
-        <p:cNvGrpSpPr/>
-        <p:nvPr/>
-      </p:nvGrpSpPr>
-      <p:grpSpPr>
-        <a:xfrm>
-          <a:off x="0" y="0"/>
-          <a:ext cx="0" cy="0"/>
-          <a:chOff x="0" y="0"/>
-          <a:chExt cx="0" cy="0"/>
-        </a:xfrm>
-      </p:grpSpPr>
-      <p:sp>
-        <p:nvSpPr>
-          <p:cNvPr id="2" name="Title 1">
-            <a:extLst>
-              <a:ext uri="{FF2B5EF4-FFF2-40B4-BE49-F238E27FC236}">
-                <a16:creationId xmlns:a16="http://schemas.microsoft.com/office/drawing/2014/main" id="{A9DD1012-8B3F-4B65-94EE-3585198A1367}"/>
-              </a:ext>
-            </a:extLst>
-          </p:cNvPr>
-          <p:cNvSpPr>
-            <a:spLocks noGrp="1"/>
-          </p:cNvSpPr>
-          <p:nvPr>
-            <p:ph type="title"/>
-          </p:nvPr>
-        </p:nvSpPr>
-        <p:spPr/>
-        <p:txBody>
-          <a:bodyPr/>
-          <a:lstStyle/>
-          <a:p>
-            <a:pPr algn="ctr"/>
-            <a:r>
-              <a:rPr lang="en-US" dirty="0"/>
-              <a:t>Tip #3:</a:t>
-            </a:r>
-            <a:br>
-              <a:rPr lang="en-US" dirty="0"/>
-            </a:br>
-            <a:br>
-              <a:rPr lang="en-US" sz="2400" dirty="0"/>
-            </a:br>
-            <a:r>
-              <a:rPr lang="en-US" dirty="0"/>
-              <a:t>String cleaning &amp; variable creation</a:t>
-            </a:r>
-          </a:p>
-        </p:txBody>
-      </p:sp>
-      <p:sp>
-        <p:nvSpPr>
-          <p:cNvPr id="3" name="Content Placeholder 2">
-            <a:extLst>
-              <a:ext uri="{FF2B5EF4-FFF2-40B4-BE49-F238E27FC236}">
-                <a16:creationId xmlns:a16="http://schemas.microsoft.com/office/drawing/2014/main" id="{2ED86C44-57B8-41DA-B931-9621880BE12A}"/>
-              </a:ext>
-            </a:extLst>
-          </p:cNvPr>
-          <p:cNvSpPr>
-            <a:spLocks noGrp="1"/>
-          </p:cNvSpPr>
-          <p:nvPr>
-            <p:ph sz="half" idx="1"/>
-          </p:nvPr>
-        </p:nvSpPr>
-        <p:spPr/>
-        <p:txBody>
-          <a:bodyPr>
-            <a:normAutofit/>
-          </a:bodyPr>
-          <a:lstStyle/>
-          <a:p>
-            <a:r>
-              <a:rPr lang="en-US" dirty="0"/>
-              <a:t>Cleaning variables early is essential for later success</a:t>
-            </a:r>
-          </a:p>
-          <a:p>
-            <a:r>
-              <a:rPr lang="en-US" dirty="0"/>
-              <a:t>Allows you to quality control the data as you go </a:t>
-            </a:r>
-          </a:p>
-          <a:p>
-            <a:r>
-              <a:rPr lang="en-US" dirty="0"/>
-              <a:t>Creating features and more granular variables will make for more detailed analytics </a:t>
-            </a:r>
-          </a:p>
-          <a:p>
-            <a:endParaRPr lang="en-US" dirty="0"/>
-          </a:p>
-        </p:txBody>
-      </p:sp>
-      <p:sp>
-        <p:nvSpPr>
-          <p:cNvPr id="4" name="Content Placeholder 3">
-            <a:extLst>
-              <a:ext uri="{FF2B5EF4-FFF2-40B4-BE49-F238E27FC236}">
-                <a16:creationId xmlns:a16="http://schemas.microsoft.com/office/drawing/2014/main" id="{83A6D594-43CC-41FB-A264-D6567849D306}"/>
-              </a:ext>
-            </a:extLst>
-          </p:cNvPr>
-          <p:cNvSpPr>
-            <a:spLocks noGrp="1"/>
-          </p:cNvSpPr>
-          <p:nvPr>
-            <p:ph sz="half" idx="2"/>
-          </p:nvPr>
-        </p:nvSpPr>
-        <p:spPr>
-          <a:xfrm>
-            <a:off x="5181600" y="3428999"/>
-            <a:ext cx="6248400" cy="2762075"/>
-          </a:xfrm>
-        </p:spPr>
-        <p:txBody>
-          <a:bodyPr>
-            <a:normAutofit/>
-          </a:bodyPr>
-          <a:lstStyle/>
-          <a:p>
-            <a:pPr marL="0" indent="0">
-              <a:buNone/>
-            </a:pPr>
-            <a:r>
-              <a:rPr lang="en-US" u="sng" dirty="0"/>
-              <a:t>Code</a:t>
-            </a:r>
-            <a:r>
-              <a:rPr lang="en-US" dirty="0"/>
-              <a:t>:</a:t>
-            </a:r>
-          </a:p>
-          <a:p>
-            <a:r>
-              <a:rPr lang="en-US" dirty="0"/>
-              <a:t>df.[‘x’].</a:t>
-            </a:r>
-            <a:r>
-              <a:rPr lang="en-US" dirty="0" err="1"/>
-              <a:t>str.replace</a:t>
-            </a:r>
-            <a:r>
-              <a:rPr lang="en-US" dirty="0"/>
-              <a:t>()</a:t>
-            </a:r>
-          </a:p>
-          <a:p>
-            <a:r>
-              <a:rPr lang="en-US" dirty="0"/>
-              <a:t>df.[‘x’].</a:t>
-            </a:r>
-            <a:r>
-              <a:rPr lang="en-US" dirty="0" err="1"/>
-              <a:t>astype</a:t>
-            </a:r>
-            <a:r>
-              <a:rPr lang="en-US" dirty="0"/>
-              <a:t>()</a:t>
-            </a:r>
-          </a:p>
-          <a:p>
-            <a:r>
-              <a:rPr lang="en-US" dirty="0"/>
-              <a:t>df.[‘x’].split()</a:t>
-            </a:r>
-          </a:p>
-          <a:p>
-            <a:r>
-              <a:rPr lang="en-US" dirty="0"/>
-              <a:t>df.[‘x’].strip()</a:t>
-            </a:r>
-          </a:p>
-          <a:p>
-            <a:r>
-              <a:rPr lang="en-US" dirty="0"/>
-              <a:t>And more! </a:t>
-            </a:r>
-          </a:p>
-          <a:p>
-            <a:endParaRPr lang="en-US" dirty="0"/>
-          </a:p>
-        </p:txBody>
-      </p:sp>
-      <p:sp>
-        <p:nvSpPr>
-          <p:cNvPr id="5" name="Speech Bubble: Rectangle 4">
-            <a:extLst>
-              <a:ext uri="{FF2B5EF4-FFF2-40B4-BE49-F238E27FC236}">
-                <a16:creationId xmlns:a16="http://schemas.microsoft.com/office/drawing/2014/main" id="{A5A29976-C6EA-4062-8D66-C4ADFE0452C3}"/>
-              </a:ext>
-            </a:extLst>
-          </p:cNvPr>
-          <p:cNvSpPr/>
-          <p:nvPr/>
-        </p:nvSpPr>
-        <p:spPr>
-          <a:xfrm>
-            <a:off x="8489659" y="3029574"/>
-            <a:ext cx="2281805" cy="1367406"/>
-          </a:xfrm>
-          <a:prstGeom prst="wedgeRectCallout">
-            <a:avLst>
-              <a:gd name="adj1" fmla="val -105391"/>
-              <a:gd name="adj2" fmla="val 63727"/>
-            </a:avLst>
-          </a:prstGeom>
-        </p:spPr>
-        <p:style>
-          <a:lnRef idx="2">
-            <a:schemeClr val="accent3">
-              <a:shade val="50000"/>
-            </a:schemeClr>
-          </a:lnRef>
-          <a:fillRef idx="1">
-            <a:schemeClr val="accent3"/>
-          </a:fillRef>
-          <a:effectRef idx="0">
-            <a:schemeClr val="accent3"/>
-          </a:effectRef>
-          <a:fontRef idx="minor">
-            <a:schemeClr val="lt1"/>
-          </a:fontRef>
-        </p:style>
-        <p:txBody>
-          <a:bodyPr rtlCol="0" anchor="ctr"/>
-          <a:lstStyle/>
-          <a:p>
-            <a:pPr algn="ctr"/>
-            <a:r>
-              <a:rPr lang="en-US" dirty="0"/>
-              <a:t>Change the data type of a variable</a:t>
-            </a:r>
-          </a:p>
-        </p:txBody>
-      </p:sp>
-    </p:spTree>
-    <p:extLst>
-      <p:ext uri="{BB962C8B-B14F-4D97-AF65-F5344CB8AC3E}">
-        <p14:creationId xmlns:p14="http://schemas.microsoft.com/office/powerpoint/2010/main" val="856368373"/>
       </p:ext>
     </p:extLst>
   </p:cSld>
@@ -9233,6 +9233,263 @@
           <p:cNvPr id="5" name="Speech Bubble: Rectangle 4">
             <a:extLst>
               <a:ext uri="{FF2B5EF4-FFF2-40B4-BE49-F238E27FC236}">
+                <a16:creationId xmlns:a16="http://schemas.microsoft.com/office/drawing/2014/main" id="{A5A29976-C6EA-4062-8D66-C4ADFE0452C3}"/>
+              </a:ext>
+            </a:extLst>
+          </p:cNvPr>
+          <p:cNvSpPr/>
+          <p:nvPr/>
+        </p:nvSpPr>
+        <p:spPr>
+          <a:xfrm>
+            <a:off x="8489659" y="3029574"/>
+            <a:ext cx="2281805" cy="1367406"/>
+          </a:xfrm>
+          <a:prstGeom prst="wedgeRectCallout">
+            <a:avLst>
+              <a:gd name="adj1" fmla="val -105391"/>
+              <a:gd name="adj2" fmla="val 63727"/>
+            </a:avLst>
+          </a:prstGeom>
+        </p:spPr>
+        <p:style>
+          <a:lnRef idx="2">
+            <a:schemeClr val="accent3">
+              <a:shade val="50000"/>
+            </a:schemeClr>
+          </a:lnRef>
+          <a:fillRef idx="1">
+            <a:schemeClr val="accent3"/>
+          </a:fillRef>
+          <a:effectRef idx="0">
+            <a:schemeClr val="accent3"/>
+          </a:effectRef>
+          <a:fontRef idx="minor">
+            <a:schemeClr val="lt1"/>
+          </a:fontRef>
+        </p:style>
+        <p:txBody>
+          <a:bodyPr rtlCol="0" anchor="ctr"/>
+          <a:lstStyle/>
+          <a:p>
+            <a:pPr algn="ctr"/>
+            <a:r>
+              <a:rPr lang="en-US" dirty="0"/>
+              <a:t>Change the data type of a variable</a:t>
+            </a:r>
+          </a:p>
+        </p:txBody>
+      </p:sp>
+    </p:spTree>
+    <p:extLst>
+      <p:ext uri="{BB962C8B-B14F-4D97-AF65-F5344CB8AC3E}">
+        <p14:creationId xmlns:p14="http://schemas.microsoft.com/office/powerpoint/2010/main" val="856368373"/>
+      </p:ext>
+    </p:extLst>
+  </p:cSld>
+  <p:clrMapOvr>
+    <a:masterClrMapping/>
+  </p:clrMapOvr>
+</p:sld>
+</file>
+
+<file path=ppt/slides/slide21.xml><?xml version="1.0" encoding="utf-8"?>
+<p:sld xmlns:a="http://schemas.openxmlformats.org/drawingml/2006/main" xmlns:r="http://schemas.openxmlformats.org/officeDocument/2006/relationships" xmlns:p="http://schemas.openxmlformats.org/presentationml/2006/main">
+  <p:cSld>
+    <p:spTree>
+      <p:nvGrpSpPr>
+        <p:cNvPr id="1" name=""/>
+        <p:cNvGrpSpPr/>
+        <p:nvPr/>
+      </p:nvGrpSpPr>
+      <p:grpSpPr>
+        <a:xfrm>
+          <a:off x="0" y="0"/>
+          <a:ext cx="0" cy="0"/>
+          <a:chOff x="0" y="0"/>
+          <a:chExt cx="0" cy="0"/>
+        </a:xfrm>
+      </p:grpSpPr>
+      <p:sp>
+        <p:nvSpPr>
+          <p:cNvPr id="2" name="Title 1">
+            <a:extLst>
+              <a:ext uri="{FF2B5EF4-FFF2-40B4-BE49-F238E27FC236}">
+                <a16:creationId xmlns:a16="http://schemas.microsoft.com/office/drawing/2014/main" id="{A9DD1012-8B3F-4B65-94EE-3585198A1367}"/>
+              </a:ext>
+            </a:extLst>
+          </p:cNvPr>
+          <p:cNvSpPr>
+            <a:spLocks noGrp="1"/>
+          </p:cNvSpPr>
+          <p:nvPr>
+            <p:ph type="title"/>
+          </p:nvPr>
+        </p:nvSpPr>
+        <p:spPr/>
+        <p:txBody>
+          <a:bodyPr/>
+          <a:lstStyle/>
+          <a:p>
+            <a:pPr algn="ctr"/>
+            <a:r>
+              <a:rPr lang="en-US" dirty="0"/>
+              <a:t>Tip #3:</a:t>
+            </a:r>
+            <a:br>
+              <a:rPr lang="en-US" dirty="0"/>
+            </a:br>
+            <a:br>
+              <a:rPr lang="en-US" sz="2400" dirty="0"/>
+            </a:br>
+            <a:r>
+              <a:rPr lang="en-US" dirty="0"/>
+              <a:t>String cleaning &amp; variable creation</a:t>
+            </a:r>
+          </a:p>
+        </p:txBody>
+      </p:sp>
+      <p:sp>
+        <p:nvSpPr>
+          <p:cNvPr id="3" name="Content Placeholder 2">
+            <a:extLst>
+              <a:ext uri="{FF2B5EF4-FFF2-40B4-BE49-F238E27FC236}">
+                <a16:creationId xmlns:a16="http://schemas.microsoft.com/office/drawing/2014/main" id="{2ED86C44-57B8-41DA-B931-9621880BE12A}"/>
+              </a:ext>
+            </a:extLst>
+          </p:cNvPr>
+          <p:cNvSpPr>
+            <a:spLocks noGrp="1"/>
+          </p:cNvSpPr>
+          <p:nvPr>
+            <p:ph sz="half" idx="1"/>
+          </p:nvPr>
+        </p:nvSpPr>
+        <p:spPr/>
+        <p:txBody>
+          <a:bodyPr>
+            <a:normAutofit/>
+          </a:bodyPr>
+          <a:lstStyle/>
+          <a:p>
+            <a:r>
+              <a:rPr lang="en-US" dirty="0"/>
+              <a:t>Cleaning variables early is essential for later success</a:t>
+            </a:r>
+          </a:p>
+          <a:p>
+            <a:r>
+              <a:rPr lang="en-US" dirty="0"/>
+              <a:t>Allows you to quality control the data as you go </a:t>
+            </a:r>
+          </a:p>
+          <a:p>
+            <a:r>
+              <a:rPr lang="en-US" dirty="0"/>
+              <a:t>Creating features and more granular variables will make for more detailed analytics </a:t>
+            </a:r>
+          </a:p>
+          <a:p>
+            <a:endParaRPr lang="en-US" dirty="0"/>
+          </a:p>
+        </p:txBody>
+      </p:sp>
+      <p:sp>
+        <p:nvSpPr>
+          <p:cNvPr id="4" name="Content Placeholder 3">
+            <a:extLst>
+              <a:ext uri="{FF2B5EF4-FFF2-40B4-BE49-F238E27FC236}">
+                <a16:creationId xmlns:a16="http://schemas.microsoft.com/office/drawing/2014/main" id="{83A6D594-43CC-41FB-A264-D6567849D306}"/>
+              </a:ext>
+            </a:extLst>
+          </p:cNvPr>
+          <p:cNvSpPr>
+            <a:spLocks noGrp="1"/>
+          </p:cNvSpPr>
+          <p:nvPr>
+            <p:ph sz="half" idx="2"/>
+          </p:nvPr>
+        </p:nvSpPr>
+        <p:spPr>
+          <a:xfrm>
+            <a:off x="5181600" y="3428999"/>
+            <a:ext cx="6248400" cy="2762075"/>
+          </a:xfrm>
+        </p:spPr>
+        <p:txBody>
+          <a:bodyPr>
+            <a:normAutofit/>
+          </a:bodyPr>
+          <a:lstStyle/>
+          <a:p>
+            <a:pPr marL="0" indent="0">
+              <a:buNone/>
+            </a:pPr>
+            <a:r>
+              <a:rPr lang="en-US" u="sng" dirty="0"/>
+              <a:t>Code</a:t>
+            </a:r>
+            <a:r>
+              <a:rPr lang="en-US" dirty="0"/>
+              <a:t>:</a:t>
+            </a:r>
+          </a:p>
+          <a:p>
+            <a:r>
+              <a:rPr lang="en-US" dirty="0"/>
+              <a:t>df.[‘x’].</a:t>
+            </a:r>
+            <a:r>
+              <a:rPr lang="en-US" dirty="0" err="1"/>
+              <a:t>str.replace</a:t>
+            </a:r>
+            <a:r>
+              <a:rPr lang="en-US" dirty="0"/>
+              <a:t>()</a:t>
+            </a:r>
+          </a:p>
+          <a:p>
+            <a:r>
+              <a:rPr lang="en-US" dirty="0"/>
+              <a:t>df.[‘x’].</a:t>
+            </a:r>
+            <a:r>
+              <a:rPr lang="en-US" dirty="0" err="1"/>
+              <a:t>astype</a:t>
+            </a:r>
+            <a:r>
+              <a:rPr lang="en-US" dirty="0"/>
+              <a:t>()</a:t>
+            </a:r>
+          </a:p>
+          <a:p>
+            <a:r>
+              <a:rPr lang="en-US" dirty="0"/>
+              <a:t>df.[‘x’].split()</a:t>
+            </a:r>
+          </a:p>
+          <a:p>
+            <a:r>
+              <a:rPr lang="en-US" dirty="0"/>
+              <a:t>df.[‘x’].strip()</a:t>
+            </a:r>
+          </a:p>
+          <a:p>
+            <a:r>
+              <a:rPr lang="en-US" dirty="0"/>
+              <a:t>And more! </a:t>
+            </a:r>
+          </a:p>
+          <a:p>
+            <a:endParaRPr lang="en-US" dirty="0"/>
+          </a:p>
+        </p:txBody>
+      </p:sp>
+      <p:sp>
+        <p:nvSpPr>
+          <p:cNvPr id="5" name="Speech Bubble: Rectangle 4">
+            <a:extLst>
+              <a:ext uri="{FF2B5EF4-FFF2-40B4-BE49-F238E27FC236}">
                 <a16:creationId xmlns:a16="http://schemas.microsoft.com/office/drawing/2014/main" id="{D7B17022-AF0F-4A24-AC63-A56EED1EC916}"/>
               </a:ext>
             </a:extLst>
@@ -9298,7 +9555,7 @@
 </p:sld>
 </file>
 
-<file path=ppt/slides/slide21.xml><?xml version="1.0" encoding="utf-8"?>
+<file path=ppt/slides/slide22.xml><?xml version="1.0" encoding="utf-8"?>
 <p:sld xmlns:a="http://schemas.openxmlformats.org/drawingml/2006/main" xmlns:r="http://schemas.openxmlformats.org/officeDocument/2006/relationships" xmlns:p="http://schemas.openxmlformats.org/presentationml/2006/main">
   <p:cSld>
     <p:spTree>
@@ -9555,7 +9812,7 @@
 </p:sld>
 </file>
 
-<file path=ppt/slides/slide22.xml><?xml version="1.0" encoding="utf-8"?>
+<file path=ppt/slides/slide23.xml><?xml version="1.0" encoding="utf-8"?>
 <p:sld xmlns:a="http://schemas.openxmlformats.org/drawingml/2006/main" xmlns:r="http://schemas.openxmlformats.org/officeDocument/2006/relationships" xmlns:p="http://schemas.openxmlformats.org/presentationml/2006/main">
   <p:cSld>
     <p:spTree>
@@ -9606,7 +9863,7 @@
             </a:br>
             <a:r>
               <a:rPr lang="en-US" dirty="0"/>
-              <a:t>Join relevant data fields</a:t>
+              <a:t>Join and reshape data</a:t>
             </a:r>
             <a:br>
               <a:rPr lang="en-US" dirty="0"/>
@@ -9752,6 +10009,65 @@
           </a:extLst>
         </p:spPr>
       </p:pic>
+      <p:sp>
+        <p:nvSpPr>
+          <p:cNvPr id="5" name="Speech Bubble: Rectangle 4">
+            <a:extLst>
+              <a:ext uri="{FF2B5EF4-FFF2-40B4-BE49-F238E27FC236}">
+                <a16:creationId xmlns:a16="http://schemas.microsoft.com/office/drawing/2014/main" id="{584DC164-0F6F-4E74-85D7-783232E6D084}"/>
+              </a:ext>
+            </a:extLst>
+          </p:cNvPr>
+          <p:cNvSpPr/>
+          <p:nvPr/>
+        </p:nvSpPr>
+        <p:spPr>
+          <a:xfrm>
+            <a:off x="7581550" y="4563611"/>
+            <a:ext cx="3380764" cy="1141506"/>
+          </a:xfrm>
+          <a:prstGeom prst="wedgeRectCallout">
+            <a:avLst>
+              <a:gd name="adj1" fmla="val -72446"/>
+              <a:gd name="adj2" fmla="val -64639"/>
+            </a:avLst>
+          </a:prstGeom>
+        </p:spPr>
+        <p:style>
+          <a:lnRef idx="2">
+            <a:schemeClr val="accent6">
+              <a:shade val="50000"/>
+            </a:schemeClr>
+          </a:lnRef>
+          <a:fillRef idx="1">
+            <a:schemeClr val="accent6"/>
+          </a:fillRef>
+          <a:effectRef idx="0">
+            <a:schemeClr val="accent6"/>
+          </a:effectRef>
+          <a:fontRef idx="minor">
+            <a:schemeClr val="lt1"/>
+          </a:fontRef>
+        </p:style>
+        <p:txBody>
+          <a:bodyPr rtlCol="0" anchor="ctr"/>
+          <a:lstStyle/>
+          <a:p>
+            <a:pPr algn="ctr"/>
+            <a:r>
+              <a:rPr lang="en-US" dirty="0"/>
+              <a:t>Combine data sets </a:t>
+            </a:r>
+          </a:p>
+          <a:p>
+            <a:pPr algn="ctr"/>
+            <a:r>
+              <a:rPr lang="en-US" dirty="0"/>
+              <a:t>on specified keys</a:t>
+            </a:r>
+          </a:p>
+        </p:txBody>
+      </p:sp>
     </p:spTree>
     <p:extLst>
       <p:ext uri="{BB962C8B-B14F-4D97-AF65-F5344CB8AC3E}">
@@ -9765,7 +10081,7 @@
 </p:sld>
 </file>
 
-<file path=ppt/slides/slide23.xml><?xml version="1.0" encoding="utf-8"?>
+<file path=ppt/slides/slide24.xml><?xml version="1.0" encoding="utf-8"?>
 <p:sld xmlns:a="http://schemas.openxmlformats.org/drawingml/2006/main" xmlns:r="http://schemas.openxmlformats.org/officeDocument/2006/relationships" xmlns:p="http://schemas.openxmlformats.org/presentationml/2006/main">
   <p:cSld>
     <p:spTree>
@@ -9798,9 +10114,16 @@
             <p:ph type="title"/>
           </p:nvPr>
         </p:nvSpPr>
-        <p:spPr/>
-        <p:txBody>
-          <a:bodyPr/>
+        <p:spPr>
+          <a:xfrm>
+            <a:off x="518719" y="559678"/>
+            <a:ext cx="3833906" cy="4952492"/>
+          </a:xfrm>
+        </p:spPr>
+        <p:txBody>
+          <a:bodyPr>
+            <a:normAutofit/>
+          </a:bodyPr>
           <a:lstStyle/>
           <a:p>
             <a:pPr algn="ctr"/>
@@ -9816,7 +10139,7 @@
             </a:br>
             <a:r>
               <a:rPr lang="en-US" dirty="0"/>
-              <a:t>Join relevant data fields</a:t>
+              <a:t>Join and reshape data</a:t>
             </a:r>
             <a:br>
               <a:rPr lang="en-US" dirty="0"/>
@@ -9827,40 +10150,6 @@
             <a:r>
               <a:rPr lang="en-US" dirty="0"/>
               <a:t>Melt</a:t>
-            </a:r>
-          </a:p>
-        </p:txBody>
-      </p:sp>
-      <p:sp>
-        <p:nvSpPr>
-          <p:cNvPr id="3" name="Content Placeholder 2">
-            <a:extLst>
-              <a:ext uri="{FF2B5EF4-FFF2-40B4-BE49-F238E27FC236}">
-                <a16:creationId xmlns:a16="http://schemas.microsoft.com/office/drawing/2014/main" id="{05704F81-1BF6-401F-AA2B-4FBCE787C5E5}"/>
-              </a:ext>
-            </a:extLst>
-          </p:cNvPr>
-          <p:cNvSpPr>
-            <a:spLocks noGrp="1"/>
-          </p:cNvSpPr>
-          <p:nvPr>
-            <p:ph sz="half" idx="1"/>
-          </p:nvPr>
-        </p:nvSpPr>
-        <p:spPr/>
-        <p:txBody>
-          <a:bodyPr/>
-          <a:lstStyle/>
-          <a:p>
-            <a:r>
-              <a:rPr lang="en-US" dirty="0"/>
-              <a:t>Combine datasets to have a full picture of the data </a:t>
-            </a:r>
-          </a:p>
-          <a:p>
-            <a:r>
-              <a:rPr lang="en-US" dirty="0"/>
-              <a:t>Make sure not to lose any data in the process</a:t>
             </a:r>
           </a:p>
         </p:txBody>
@@ -9919,12 +10208,75 @@
           </a:p>
         </p:txBody>
       </p:sp>
+      <p:sp>
+        <p:nvSpPr>
+          <p:cNvPr id="6" name="Speech Bubble: Rectangle 5">
+            <a:extLst>
+              <a:ext uri="{FF2B5EF4-FFF2-40B4-BE49-F238E27FC236}">
+                <a16:creationId xmlns:a16="http://schemas.microsoft.com/office/drawing/2014/main" id="{8D0D3F47-89D4-4324-B16C-91F55824E149}"/>
+              </a:ext>
+            </a:extLst>
+          </p:cNvPr>
+          <p:cNvSpPr/>
+          <p:nvPr/>
+        </p:nvSpPr>
+        <p:spPr>
+          <a:xfrm>
+            <a:off x="7724162" y="4122011"/>
+            <a:ext cx="3705837" cy="1795847"/>
+          </a:xfrm>
+          <a:prstGeom prst="wedgeRectCallout">
+            <a:avLst>
+              <a:gd name="adj1" fmla="val -80269"/>
+              <a:gd name="adj2" fmla="val -33870"/>
+            </a:avLst>
+          </a:prstGeom>
+          <a:solidFill>
+            <a:srgbClr val="6CACDD"/>
+          </a:solidFill>
+        </p:spPr>
+        <p:style>
+          <a:lnRef idx="2">
+            <a:schemeClr val="accent6">
+              <a:shade val="50000"/>
+            </a:schemeClr>
+          </a:lnRef>
+          <a:fillRef idx="1">
+            <a:schemeClr val="accent6"/>
+          </a:fillRef>
+          <a:effectRef idx="0">
+            <a:schemeClr val="accent6"/>
+          </a:effectRef>
+          <a:fontRef idx="minor">
+            <a:schemeClr val="lt1"/>
+          </a:fontRef>
+        </p:style>
+        <p:txBody>
+          <a:bodyPr rtlCol="0" anchor="ctr"/>
+          <a:lstStyle/>
+          <a:p>
+            <a:pPr algn="ctr"/>
+            <a:r>
+              <a:rPr lang="en-US" dirty="0"/>
+              <a:t>Massage </a:t>
+            </a:r>
+            <a:r>
+              <a:rPr lang="en-US" dirty="0" err="1"/>
+              <a:t>dataframe</a:t>
+            </a:r>
+            <a:r>
+              <a:rPr lang="en-US" dirty="0"/>
+              <a:t> into a format where one or more columns are identifiers, where all other columns are considered unpivoted, measured variables</a:t>
+            </a:r>
+          </a:p>
+        </p:txBody>
+      </p:sp>
       <p:pic>
         <p:nvPicPr>
-          <p:cNvPr id="3074" name="Picture 2" descr="join or merge in python pandas 1">
+          <p:cNvPr id="1028" name="Picture 4" descr="Image result for pandas melt function">
             <a:extLst>
               <a:ext uri="{FF2B5EF4-FFF2-40B4-BE49-F238E27FC236}">
-                <a16:creationId xmlns:a16="http://schemas.microsoft.com/office/drawing/2014/main" id="{29CECE13-278C-4658-BA0E-BB28496BAE6B}"/>
+                <a16:creationId xmlns:a16="http://schemas.microsoft.com/office/drawing/2014/main" id="{2F887195-E397-4B48-83C1-1F0252369F2B}"/>
               </a:ext>
             </a:extLst>
           </p:cNvPr>
@@ -9948,8 +10300,8 @@
         </p:blipFill>
         <p:spPr bwMode="auto">
           <a:xfrm>
-            <a:off x="5487005" y="1617588"/>
-            <a:ext cx="5637590" cy="1527945"/>
+            <a:off x="4628786" y="663305"/>
+            <a:ext cx="7381212" cy="2765695"/>
           </a:xfrm>
           <a:prstGeom prst="rect">
             <a:avLst/>
@@ -9979,7 +10331,7 @@
 </p:sld>
 </file>
 
-<file path=ppt/slides/slide24.xml><?xml version="1.0" encoding="utf-8"?>
+<file path=ppt/slides/slide25.xml><?xml version="1.0" encoding="utf-8"?>
 <p:sld xmlns:a="http://schemas.openxmlformats.org/drawingml/2006/main" xmlns:r="http://schemas.openxmlformats.org/officeDocument/2006/relationships" xmlns:p="http://schemas.openxmlformats.org/presentationml/2006/main">
   <p:cSld>
     <p:spTree>
@@ -10169,7 +10521,7 @@
 </p:sld>
 </file>
 
-<file path=ppt/slides/slide25.xml><?xml version="1.0" encoding="utf-8"?>
+<file path=ppt/slides/slide26.xml><?xml version="1.0" encoding="utf-8"?>
 <p:sld xmlns:a="http://schemas.openxmlformats.org/drawingml/2006/main" xmlns:r="http://schemas.openxmlformats.org/officeDocument/2006/relationships" xmlns:p="http://schemas.openxmlformats.org/presentationml/2006/main">
   <p:cSld>
     <p:spTree>
@@ -10414,7 +10766,7 @@
 </p:sld>
 </file>
 
-<file path=ppt/slides/slide26.xml><?xml version="1.0" encoding="utf-8"?>
+<file path=ppt/slides/slide27.xml><?xml version="1.0" encoding="utf-8"?>
 <p:sld xmlns:a="http://schemas.openxmlformats.org/drawingml/2006/main" xmlns:r="http://schemas.openxmlformats.org/officeDocument/2006/relationships" xmlns:p="http://schemas.openxmlformats.org/presentationml/2006/main">
   <p:cSld>
     <p:spTree>
@@ -10659,7 +11011,7 @@
 </p:sld>
 </file>
 
-<file path=ppt/slides/slide27.xml><?xml version="1.0" encoding="utf-8"?>
+<file path=ppt/slides/slide28.xml><?xml version="1.0" encoding="utf-8"?>
 <p:sld xmlns:a="http://schemas.openxmlformats.org/drawingml/2006/main" xmlns:r="http://schemas.openxmlformats.org/officeDocument/2006/relationships" xmlns:p="http://schemas.openxmlformats.org/presentationml/2006/main">
   <p:cSld>
     <p:spTree>
@@ -10904,7 +11256,7 @@
 </p:sld>
 </file>
 
-<file path=ppt/slides/slide28.xml><?xml version="1.0" encoding="utf-8"?>
+<file path=ppt/slides/slide29.xml><?xml version="1.0" encoding="utf-8"?>
 <p:sld xmlns:a="http://schemas.openxmlformats.org/drawingml/2006/main" xmlns:r="http://schemas.openxmlformats.org/officeDocument/2006/relationships" xmlns:p="http://schemas.openxmlformats.org/presentationml/2006/main">
   <p:cSld>
     <p:spTree>
@@ -11140,251 +11492,6 @@
     <p:extLst>
       <p:ext uri="{BB962C8B-B14F-4D97-AF65-F5344CB8AC3E}">
         <p14:creationId xmlns:p14="http://schemas.microsoft.com/office/powerpoint/2010/main" val="1678176914"/>
-      </p:ext>
-    </p:extLst>
-  </p:cSld>
-  <p:clrMapOvr>
-    <a:masterClrMapping/>
-  </p:clrMapOvr>
-</p:sld>
-</file>
-
-<file path=ppt/slides/slide29.xml><?xml version="1.0" encoding="utf-8"?>
-<p:sld xmlns:a="http://schemas.openxmlformats.org/drawingml/2006/main" xmlns:r="http://schemas.openxmlformats.org/officeDocument/2006/relationships" xmlns:p="http://schemas.openxmlformats.org/presentationml/2006/main">
-  <p:cSld>
-    <p:spTree>
-      <p:nvGrpSpPr>
-        <p:cNvPr id="1" name=""/>
-        <p:cNvGrpSpPr/>
-        <p:nvPr/>
-      </p:nvGrpSpPr>
-      <p:grpSpPr>
-        <a:xfrm>
-          <a:off x="0" y="0"/>
-          <a:ext cx="0" cy="0"/>
-          <a:chOff x="0" y="0"/>
-          <a:chExt cx="0" cy="0"/>
-        </a:xfrm>
-      </p:grpSpPr>
-      <p:sp>
-        <p:nvSpPr>
-          <p:cNvPr id="2" name="Title 1">
-            <a:extLst>
-              <a:ext uri="{FF2B5EF4-FFF2-40B4-BE49-F238E27FC236}">
-                <a16:creationId xmlns:a16="http://schemas.microsoft.com/office/drawing/2014/main" id="{EC538287-A823-4C0A-A946-CA0C310ABFE8}"/>
-              </a:ext>
-            </a:extLst>
-          </p:cNvPr>
-          <p:cNvSpPr>
-            <a:spLocks noGrp="1"/>
-          </p:cNvSpPr>
-          <p:nvPr>
-            <p:ph type="title"/>
-          </p:nvPr>
-        </p:nvSpPr>
-        <p:spPr/>
-        <p:txBody>
-          <a:bodyPr/>
-          <a:lstStyle/>
-          <a:p>
-            <a:pPr algn="ctr"/>
-            <a:r>
-              <a:rPr lang="en-US" dirty="0"/>
-              <a:t>Tip #5:</a:t>
-            </a:r>
-            <a:br>
-              <a:rPr lang="en-US" dirty="0"/>
-            </a:br>
-            <a:br>
-              <a:rPr lang="en-US" sz="2400" dirty="0"/>
-            </a:br>
-            <a:r>
-              <a:rPr lang="en-US" dirty="0"/>
-              <a:t>Numeric summaries and outlier detection</a:t>
-            </a:r>
-          </a:p>
-        </p:txBody>
-      </p:sp>
-      <p:sp>
-        <p:nvSpPr>
-          <p:cNvPr id="3" name="Content Placeholder 2">
-            <a:extLst>
-              <a:ext uri="{FF2B5EF4-FFF2-40B4-BE49-F238E27FC236}">
-                <a16:creationId xmlns:a16="http://schemas.microsoft.com/office/drawing/2014/main" id="{7954C311-9E0C-4131-96F4-CF2A82051583}"/>
-              </a:ext>
-            </a:extLst>
-          </p:cNvPr>
-          <p:cNvSpPr>
-            <a:spLocks noGrp="1"/>
-          </p:cNvSpPr>
-          <p:nvPr>
-            <p:ph sz="half" idx="1"/>
-          </p:nvPr>
-        </p:nvSpPr>
-        <p:spPr/>
-        <p:txBody>
-          <a:bodyPr>
-            <a:normAutofit fontScale="92500" lnSpcReduction="10000"/>
-          </a:bodyPr>
-          <a:lstStyle/>
-          <a:p>
-            <a:r>
-              <a:rPr lang="en-US" dirty="0"/>
-              <a:t>Evaluate the spread and shape of the numerical fields </a:t>
-            </a:r>
-          </a:p>
-          <a:p>
-            <a:r>
-              <a:rPr lang="en-US" dirty="0"/>
-              <a:t>Search for outliers that may indicate problems with data collection – will be an issue for model building</a:t>
-            </a:r>
-          </a:p>
-          <a:p>
-            <a:endParaRPr lang="en-US" dirty="0"/>
-          </a:p>
-          <a:p>
-            <a:endParaRPr lang="en-US" dirty="0"/>
-          </a:p>
-        </p:txBody>
-      </p:sp>
-      <p:sp>
-        <p:nvSpPr>
-          <p:cNvPr id="4" name="Content Placeholder 3">
-            <a:extLst>
-              <a:ext uri="{FF2B5EF4-FFF2-40B4-BE49-F238E27FC236}">
-                <a16:creationId xmlns:a16="http://schemas.microsoft.com/office/drawing/2014/main" id="{E9C7A104-54B3-48B3-BF5A-8F92801C1BF9}"/>
-              </a:ext>
-            </a:extLst>
-          </p:cNvPr>
-          <p:cNvSpPr>
-            <a:spLocks noGrp="1"/>
-          </p:cNvSpPr>
-          <p:nvPr>
-            <p:ph sz="half" idx="2"/>
-          </p:nvPr>
-        </p:nvSpPr>
-        <p:spPr>
-          <a:xfrm>
-            <a:off x="5181600" y="3429000"/>
-            <a:ext cx="6248400" cy="2482228"/>
-          </a:xfrm>
-        </p:spPr>
-        <p:txBody>
-          <a:bodyPr>
-            <a:normAutofit fontScale="92500" lnSpcReduction="10000"/>
-          </a:bodyPr>
-          <a:lstStyle/>
-          <a:p>
-            <a:pPr marL="0" indent="0">
-              <a:buNone/>
-            </a:pPr>
-            <a:r>
-              <a:rPr lang="en-US" u="sng" dirty="0"/>
-              <a:t>Code</a:t>
-            </a:r>
-            <a:r>
-              <a:rPr lang="en-US" dirty="0"/>
-              <a:t>:</a:t>
-            </a:r>
-          </a:p>
-          <a:p>
-            <a:r>
-              <a:rPr lang="en-US" dirty="0"/>
-              <a:t>df[‘x’] &gt; y</a:t>
-            </a:r>
-          </a:p>
-          <a:p>
-            <a:r>
-              <a:rPr lang="en-US" dirty="0"/>
-              <a:t>df[‘x’].sum()</a:t>
-            </a:r>
-          </a:p>
-          <a:p>
-            <a:r>
-              <a:rPr lang="en-US" dirty="0"/>
-              <a:t>df[‘x’].describe()</a:t>
-            </a:r>
-          </a:p>
-          <a:p>
-            <a:r>
-              <a:rPr lang="en-US" dirty="0"/>
-              <a:t>df[‘x’].transform(‘function’)</a:t>
-            </a:r>
-          </a:p>
-          <a:p>
-            <a:r>
-              <a:rPr lang="en-US" dirty="0" err="1"/>
-              <a:t>np.where</a:t>
-            </a:r>
-            <a:r>
-              <a:rPr lang="en-US" dirty="0"/>
-              <a:t>(x, a, b)</a:t>
-            </a:r>
-          </a:p>
-          <a:p>
-            <a:endParaRPr lang="en-US" dirty="0"/>
-          </a:p>
-        </p:txBody>
-      </p:sp>
-      <p:sp>
-        <p:nvSpPr>
-          <p:cNvPr id="5" name="Speech Bubble: Rectangle 4">
-            <a:extLst>
-              <a:ext uri="{FF2B5EF4-FFF2-40B4-BE49-F238E27FC236}">
-                <a16:creationId xmlns:a16="http://schemas.microsoft.com/office/drawing/2014/main" id="{06FEA275-01A2-4A4D-8C07-B959B864EE55}"/>
-              </a:ext>
-            </a:extLst>
-          </p:cNvPr>
-          <p:cNvSpPr/>
-          <p:nvPr/>
-        </p:nvSpPr>
-        <p:spPr>
-          <a:xfrm>
-            <a:off x="8661634" y="2884922"/>
-            <a:ext cx="2155970" cy="1434518"/>
-          </a:xfrm>
-          <a:prstGeom prst="wedgeRectCallout">
-            <a:avLst>
-              <a:gd name="adj1" fmla="val -112661"/>
-              <a:gd name="adj2" fmla="val 143786"/>
-            </a:avLst>
-          </a:prstGeom>
-          <a:solidFill>
-            <a:srgbClr val="00B050"/>
-          </a:solidFill>
-        </p:spPr>
-        <p:style>
-          <a:lnRef idx="2">
-            <a:schemeClr val="accent5">
-              <a:shade val="50000"/>
-            </a:schemeClr>
-          </a:lnRef>
-          <a:fillRef idx="1">
-            <a:schemeClr val="accent5"/>
-          </a:fillRef>
-          <a:effectRef idx="0">
-            <a:schemeClr val="accent5"/>
-          </a:effectRef>
-          <a:fontRef idx="minor">
-            <a:schemeClr val="lt1"/>
-          </a:fontRef>
-        </p:style>
-        <p:txBody>
-          <a:bodyPr rtlCol="0" anchor="ctr"/>
-          <a:lstStyle/>
-          <a:p>
-            <a:pPr algn="ctr"/>
-            <a:r>
-              <a:rPr lang="en-US" dirty="0"/>
-              <a:t>Subset an array on a specific condition</a:t>
-            </a:r>
-          </a:p>
-        </p:txBody>
-      </p:sp>
-    </p:spTree>
-    <p:extLst>
-      <p:ext uri="{BB962C8B-B14F-4D97-AF65-F5344CB8AC3E}">
-        <p14:creationId xmlns:p14="http://schemas.microsoft.com/office/powerpoint/2010/main" val="3511836936"/>
       </p:ext>
     </p:extLst>
   </p:cSld>
@@ -11702,6 +11809,251 @@
           <p:cNvPr id="2" name="Title 1">
             <a:extLst>
               <a:ext uri="{FF2B5EF4-FFF2-40B4-BE49-F238E27FC236}">
+                <a16:creationId xmlns:a16="http://schemas.microsoft.com/office/drawing/2014/main" id="{EC538287-A823-4C0A-A946-CA0C310ABFE8}"/>
+              </a:ext>
+            </a:extLst>
+          </p:cNvPr>
+          <p:cNvSpPr>
+            <a:spLocks noGrp="1"/>
+          </p:cNvSpPr>
+          <p:nvPr>
+            <p:ph type="title"/>
+          </p:nvPr>
+        </p:nvSpPr>
+        <p:spPr/>
+        <p:txBody>
+          <a:bodyPr/>
+          <a:lstStyle/>
+          <a:p>
+            <a:pPr algn="ctr"/>
+            <a:r>
+              <a:rPr lang="en-US" dirty="0"/>
+              <a:t>Tip #5:</a:t>
+            </a:r>
+            <a:br>
+              <a:rPr lang="en-US" dirty="0"/>
+            </a:br>
+            <a:br>
+              <a:rPr lang="en-US" sz="2400" dirty="0"/>
+            </a:br>
+            <a:r>
+              <a:rPr lang="en-US" dirty="0"/>
+              <a:t>Numeric summaries and outlier detection</a:t>
+            </a:r>
+          </a:p>
+        </p:txBody>
+      </p:sp>
+      <p:sp>
+        <p:nvSpPr>
+          <p:cNvPr id="3" name="Content Placeholder 2">
+            <a:extLst>
+              <a:ext uri="{FF2B5EF4-FFF2-40B4-BE49-F238E27FC236}">
+                <a16:creationId xmlns:a16="http://schemas.microsoft.com/office/drawing/2014/main" id="{7954C311-9E0C-4131-96F4-CF2A82051583}"/>
+              </a:ext>
+            </a:extLst>
+          </p:cNvPr>
+          <p:cNvSpPr>
+            <a:spLocks noGrp="1"/>
+          </p:cNvSpPr>
+          <p:nvPr>
+            <p:ph sz="half" idx="1"/>
+          </p:nvPr>
+        </p:nvSpPr>
+        <p:spPr/>
+        <p:txBody>
+          <a:bodyPr>
+            <a:normAutofit fontScale="92500" lnSpcReduction="10000"/>
+          </a:bodyPr>
+          <a:lstStyle/>
+          <a:p>
+            <a:r>
+              <a:rPr lang="en-US" dirty="0"/>
+              <a:t>Evaluate the spread and shape of the numerical fields </a:t>
+            </a:r>
+          </a:p>
+          <a:p>
+            <a:r>
+              <a:rPr lang="en-US" dirty="0"/>
+              <a:t>Search for outliers that may indicate problems with data collection – will be an issue for model building</a:t>
+            </a:r>
+          </a:p>
+          <a:p>
+            <a:endParaRPr lang="en-US" dirty="0"/>
+          </a:p>
+          <a:p>
+            <a:endParaRPr lang="en-US" dirty="0"/>
+          </a:p>
+        </p:txBody>
+      </p:sp>
+      <p:sp>
+        <p:nvSpPr>
+          <p:cNvPr id="4" name="Content Placeholder 3">
+            <a:extLst>
+              <a:ext uri="{FF2B5EF4-FFF2-40B4-BE49-F238E27FC236}">
+                <a16:creationId xmlns:a16="http://schemas.microsoft.com/office/drawing/2014/main" id="{E9C7A104-54B3-48B3-BF5A-8F92801C1BF9}"/>
+              </a:ext>
+            </a:extLst>
+          </p:cNvPr>
+          <p:cNvSpPr>
+            <a:spLocks noGrp="1"/>
+          </p:cNvSpPr>
+          <p:nvPr>
+            <p:ph sz="half" idx="2"/>
+          </p:nvPr>
+        </p:nvSpPr>
+        <p:spPr>
+          <a:xfrm>
+            <a:off x="5181600" y="3429000"/>
+            <a:ext cx="6248400" cy="2482228"/>
+          </a:xfrm>
+        </p:spPr>
+        <p:txBody>
+          <a:bodyPr>
+            <a:normAutofit fontScale="92500" lnSpcReduction="10000"/>
+          </a:bodyPr>
+          <a:lstStyle/>
+          <a:p>
+            <a:pPr marL="0" indent="0">
+              <a:buNone/>
+            </a:pPr>
+            <a:r>
+              <a:rPr lang="en-US" u="sng" dirty="0"/>
+              <a:t>Code</a:t>
+            </a:r>
+            <a:r>
+              <a:rPr lang="en-US" dirty="0"/>
+              <a:t>:</a:t>
+            </a:r>
+          </a:p>
+          <a:p>
+            <a:r>
+              <a:rPr lang="en-US" dirty="0"/>
+              <a:t>df[‘x’] &gt; y</a:t>
+            </a:r>
+          </a:p>
+          <a:p>
+            <a:r>
+              <a:rPr lang="en-US" dirty="0"/>
+              <a:t>df[‘x’].sum()</a:t>
+            </a:r>
+          </a:p>
+          <a:p>
+            <a:r>
+              <a:rPr lang="en-US" dirty="0"/>
+              <a:t>df[‘x’].describe()</a:t>
+            </a:r>
+          </a:p>
+          <a:p>
+            <a:r>
+              <a:rPr lang="en-US" dirty="0"/>
+              <a:t>df[‘x’].transform(‘function’)</a:t>
+            </a:r>
+          </a:p>
+          <a:p>
+            <a:r>
+              <a:rPr lang="en-US" dirty="0" err="1"/>
+              <a:t>np.where</a:t>
+            </a:r>
+            <a:r>
+              <a:rPr lang="en-US" dirty="0"/>
+              <a:t>(x, a, b)</a:t>
+            </a:r>
+          </a:p>
+          <a:p>
+            <a:endParaRPr lang="en-US" dirty="0"/>
+          </a:p>
+        </p:txBody>
+      </p:sp>
+      <p:sp>
+        <p:nvSpPr>
+          <p:cNvPr id="5" name="Speech Bubble: Rectangle 4">
+            <a:extLst>
+              <a:ext uri="{FF2B5EF4-FFF2-40B4-BE49-F238E27FC236}">
+                <a16:creationId xmlns:a16="http://schemas.microsoft.com/office/drawing/2014/main" id="{06FEA275-01A2-4A4D-8C07-B959B864EE55}"/>
+              </a:ext>
+            </a:extLst>
+          </p:cNvPr>
+          <p:cNvSpPr/>
+          <p:nvPr/>
+        </p:nvSpPr>
+        <p:spPr>
+          <a:xfrm>
+            <a:off x="8661634" y="2884922"/>
+            <a:ext cx="2155970" cy="1434518"/>
+          </a:xfrm>
+          <a:prstGeom prst="wedgeRectCallout">
+            <a:avLst>
+              <a:gd name="adj1" fmla="val -112661"/>
+              <a:gd name="adj2" fmla="val 143786"/>
+            </a:avLst>
+          </a:prstGeom>
+          <a:solidFill>
+            <a:srgbClr val="00B050"/>
+          </a:solidFill>
+        </p:spPr>
+        <p:style>
+          <a:lnRef idx="2">
+            <a:schemeClr val="accent5">
+              <a:shade val="50000"/>
+            </a:schemeClr>
+          </a:lnRef>
+          <a:fillRef idx="1">
+            <a:schemeClr val="accent5"/>
+          </a:fillRef>
+          <a:effectRef idx="0">
+            <a:schemeClr val="accent5"/>
+          </a:effectRef>
+          <a:fontRef idx="minor">
+            <a:schemeClr val="lt1"/>
+          </a:fontRef>
+        </p:style>
+        <p:txBody>
+          <a:bodyPr rtlCol="0" anchor="ctr"/>
+          <a:lstStyle/>
+          <a:p>
+            <a:pPr algn="ctr"/>
+            <a:r>
+              <a:rPr lang="en-US" dirty="0"/>
+              <a:t>Subset an array on a specific condition</a:t>
+            </a:r>
+          </a:p>
+        </p:txBody>
+      </p:sp>
+    </p:spTree>
+    <p:extLst>
+      <p:ext uri="{BB962C8B-B14F-4D97-AF65-F5344CB8AC3E}">
+        <p14:creationId xmlns:p14="http://schemas.microsoft.com/office/powerpoint/2010/main" val="3511836936"/>
+      </p:ext>
+    </p:extLst>
+  </p:cSld>
+  <p:clrMapOvr>
+    <a:masterClrMapping/>
+  </p:clrMapOvr>
+</p:sld>
+</file>
+
+<file path=ppt/slides/slide31.xml><?xml version="1.0" encoding="utf-8"?>
+<p:sld xmlns:a="http://schemas.openxmlformats.org/drawingml/2006/main" xmlns:r="http://schemas.openxmlformats.org/officeDocument/2006/relationships" xmlns:p="http://schemas.openxmlformats.org/presentationml/2006/main">
+  <p:cSld>
+    <p:spTree>
+      <p:nvGrpSpPr>
+        <p:cNvPr id="1" name=""/>
+        <p:cNvGrpSpPr/>
+        <p:nvPr/>
+      </p:nvGrpSpPr>
+      <p:grpSpPr>
+        <a:xfrm>
+          <a:off x="0" y="0"/>
+          <a:ext cx="0" cy="0"/>
+          <a:chOff x="0" y="0"/>
+          <a:chExt cx="0" cy="0"/>
+        </a:xfrm>
+      </p:grpSpPr>
+      <p:sp>
+        <p:nvSpPr>
+          <p:cNvPr id="2" name="Title 1">
+            <a:extLst>
+              <a:ext uri="{FF2B5EF4-FFF2-40B4-BE49-F238E27FC236}">
                 <a16:creationId xmlns:a16="http://schemas.microsoft.com/office/drawing/2014/main" id="{272CD900-C77E-4286-B3C6-34BF883649B8}"/>
               </a:ext>
             </a:extLst>
@@ -11807,7 +12159,7 @@
 </p:sld>
 </file>
 
-<file path=ppt/slides/slide31.xml><?xml version="1.0" encoding="utf-8"?>
+<file path=ppt/slides/slide32.xml><?xml version="1.0" encoding="utf-8"?>
 <p:sld xmlns:a="http://schemas.openxmlformats.org/drawingml/2006/main" xmlns:r="http://schemas.openxmlformats.org/officeDocument/2006/relationships" xmlns:p="http://schemas.openxmlformats.org/presentationml/2006/main">
   <p:cSld>
     <p:spTree>
@@ -12035,7 +12387,7 @@
 </p:sld>
 </file>
 
-<file path=ppt/slides/slide32.xml><?xml version="1.0" encoding="utf-8"?>
+<file path=ppt/slides/slide33.xml><?xml version="1.0" encoding="utf-8"?>
 <p:sld xmlns:a="http://schemas.openxmlformats.org/drawingml/2006/main" xmlns:r="http://schemas.openxmlformats.org/officeDocument/2006/relationships" xmlns:p="http://schemas.openxmlformats.org/presentationml/2006/main">
   <p:cSld>
     <p:spTree>
@@ -12315,7 +12667,7 @@
 </p:sld>
 </file>
 
-<file path=ppt/slides/slide33.xml><?xml version="1.0" encoding="utf-8"?>
+<file path=ppt/slides/slide34.xml><?xml version="1.0" encoding="utf-8"?>
 <p:sld xmlns:a="http://schemas.openxmlformats.org/drawingml/2006/main" xmlns:r="http://schemas.openxmlformats.org/officeDocument/2006/relationships" xmlns:p="http://schemas.openxmlformats.org/presentationml/2006/main">
   <p:cSld>
     <p:spTree>
@@ -12595,7 +12947,7 @@
 </p:sld>
 </file>
 
-<file path=ppt/slides/slide34.xml><?xml version="1.0" encoding="utf-8"?>
+<file path=ppt/slides/slide35.xml><?xml version="1.0" encoding="utf-8"?>
 <p:sld xmlns:a="http://schemas.openxmlformats.org/drawingml/2006/main" xmlns:r="http://schemas.openxmlformats.org/officeDocument/2006/relationships" xmlns:p="http://schemas.openxmlformats.org/presentationml/2006/main">
   <p:cSld>
     <p:spTree>
@@ -12875,7 +13227,7 @@
 </p:sld>
 </file>
 
-<file path=ppt/slides/slide35.xml><?xml version="1.0" encoding="utf-8"?>
+<file path=ppt/slides/slide36.xml><?xml version="1.0" encoding="utf-8"?>
 <p:sld xmlns:a="http://schemas.openxmlformats.org/drawingml/2006/main" xmlns:r="http://schemas.openxmlformats.org/officeDocument/2006/relationships" xmlns:p="http://schemas.openxmlformats.org/presentationml/2006/main">
   <p:cSld>
     <p:spTree>
@@ -13155,7 +13507,7 @@
 </p:sld>
 </file>
 
-<file path=ppt/slides/slide36.xml><?xml version="1.0" encoding="utf-8"?>
+<file path=ppt/slides/slide37.xml><?xml version="1.0" encoding="utf-8"?>
 <p:sld xmlns:a="http://schemas.openxmlformats.org/drawingml/2006/main" xmlns:r="http://schemas.openxmlformats.org/officeDocument/2006/relationships" xmlns:p="http://schemas.openxmlformats.org/presentationml/2006/main">
   <p:cSld>
     <p:spTree>
@@ -13435,7 +13787,7 @@
 </p:sld>
 </file>
 
-<file path=ppt/slides/slide37.xml><?xml version="1.0" encoding="utf-8"?>
+<file path=ppt/slides/slide38.xml><?xml version="1.0" encoding="utf-8"?>
 <p:sld xmlns:a="http://schemas.openxmlformats.org/drawingml/2006/main" xmlns:r="http://schemas.openxmlformats.org/officeDocument/2006/relationships" xmlns:p="http://schemas.openxmlformats.org/presentationml/2006/main">
   <p:cSld>
     <p:spTree>
@@ -13646,7 +13998,7 @@
 </p:sld>
 </file>
 
-<file path=ppt/slides/slide38.xml><?xml version="1.0" encoding="utf-8"?>
+<file path=ppt/slides/slide39.xml><?xml version="1.0" encoding="utf-8"?>
 <p:sld xmlns:a="http://schemas.openxmlformats.org/drawingml/2006/main" xmlns:r="http://schemas.openxmlformats.org/officeDocument/2006/relationships" xmlns:p="http://schemas.openxmlformats.org/presentationml/2006/main">
   <p:cSld>
     <p:spTree>
@@ -13921,280 +14273,6 @@
     <p:extLst>
       <p:ext uri="{BB962C8B-B14F-4D97-AF65-F5344CB8AC3E}">
         <p14:creationId xmlns:p14="http://schemas.microsoft.com/office/powerpoint/2010/main" val="1724499700"/>
-      </p:ext>
-    </p:extLst>
-  </p:cSld>
-  <p:clrMapOvr>
-    <a:masterClrMapping/>
-  </p:clrMapOvr>
-</p:sld>
-</file>
-
-<file path=ppt/slides/slide39.xml><?xml version="1.0" encoding="utf-8"?>
-<p:sld xmlns:a="http://schemas.openxmlformats.org/drawingml/2006/main" xmlns:r="http://schemas.openxmlformats.org/officeDocument/2006/relationships" xmlns:p="http://schemas.openxmlformats.org/presentationml/2006/main">
-  <p:cSld>
-    <p:spTree>
-      <p:nvGrpSpPr>
-        <p:cNvPr id="1" name=""/>
-        <p:cNvGrpSpPr/>
-        <p:nvPr/>
-      </p:nvGrpSpPr>
-      <p:grpSpPr>
-        <a:xfrm>
-          <a:off x="0" y="0"/>
-          <a:ext cx="0" cy="0"/>
-          <a:chOff x="0" y="0"/>
-          <a:chExt cx="0" cy="0"/>
-        </a:xfrm>
-      </p:grpSpPr>
-      <p:sp>
-        <p:nvSpPr>
-          <p:cNvPr id="2" name="Title 1">
-            <a:extLst>
-              <a:ext uri="{FF2B5EF4-FFF2-40B4-BE49-F238E27FC236}">
-                <a16:creationId xmlns:a16="http://schemas.microsoft.com/office/drawing/2014/main" id="{C4BF96EA-50D0-4D28-A4AB-1207CFBDE4F2}"/>
-              </a:ext>
-            </a:extLst>
-          </p:cNvPr>
-          <p:cNvSpPr>
-            <a:spLocks noGrp="1"/>
-          </p:cNvSpPr>
-          <p:nvPr>
-            <p:ph type="title"/>
-          </p:nvPr>
-        </p:nvSpPr>
-        <p:spPr>
-          <a:xfrm>
-            <a:off x="762000" y="553328"/>
-            <a:ext cx="3833906" cy="4952492"/>
-          </a:xfrm>
-        </p:spPr>
-        <p:txBody>
-          <a:bodyPr/>
-          <a:lstStyle/>
-          <a:p>
-            <a:pPr algn="ctr"/>
-            <a:r>
-              <a:rPr lang="en-US" dirty="0"/>
-              <a:t>Tip #7:</a:t>
-            </a:r>
-            <a:br>
-              <a:rPr lang="en-US" dirty="0"/>
-            </a:br>
-            <a:br>
-              <a:rPr lang="en-US" sz="2400" dirty="0"/>
-            </a:br>
-            <a:r>
-              <a:rPr lang="en-US" dirty="0"/>
-              <a:t>Build graphics to explore ideas</a:t>
-            </a:r>
-          </a:p>
-        </p:txBody>
-      </p:sp>
-      <p:sp>
-        <p:nvSpPr>
-          <p:cNvPr id="3" name="Content Placeholder 2">
-            <a:extLst>
-              <a:ext uri="{FF2B5EF4-FFF2-40B4-BE49-F238E27FC236}">
-                <a16:creationId xmlns:a16="http://schemas.microsoft.com/office/drawing/2014/main" id="{C5E09723-9FA1-4E26-9354-D47E3A94DA62}"/>
-              </a:ext>
-            </a:extLst>
-          </p:cNvPr>
-          <p:cNvSpPr>
-            <a:spLocks noGrp="1"/>
-          </p:cNvSpPr>
-          <p:nvPr>
-            <p:ph sz="half" idx="1"/>
-          </p:nvPr>
-        </p:nvSpPr>
-        <p:spPr/>
-        <p:txBody>
-          <a:bodyPr>
-            <a:normAutofit/>
-          </a:bodyPr>
-          <a:lstStyle/>
-          <a:p>
-            <a:r>
-              <a:rPr lang="en-US" dirty="0"/>
-              <a:t>Visualize and communicate your results </a:t>
-            </a:r>
-          </a:p>
-          <a:p>
-            <a:r>
-              <a:rPr lang="en-US" dirty="0"/>
-              <a:t>Simple and to the point</a:t>
-            </a:r>
-          </a:p>
-          <a:p>
-            <a:r>
-              <a:rPr lang="en-US" dirty="0"/>
-              <a:t>Clearly label you axes and titles! </a:t>
-            </a:r>
-          </a:p>
-        </p:txBody>
-      </p:sp>
-      <p:sp>
-        <p:nvSpPr>
-          <p:cNvPr id="4" name="Content Placeholder 3">
-            <a:extLst>
-              <a:ext uri="{FF2B5EF4-FFF2-40B4-BE49-F238E27FC236}">
-                <a16:creationId xmlns:a16="http://schemas.microsoft.com/office/drawing/2014/main" id="{C3A29807-5150-48CF-ABDA-0B6162895737}"/>
-              </a:ext>
-            </a:extLst>
-          </p:cNvPr>
-          <p:cNvSpPr>
-            <a:spLocks noGrp="1"/>
-          </p:cNvSpPr>
-          <p:nvPr>
-            <p:ph sz="half" idx="2"/>
-          </p:nvPr>
-        </p:nvSpPr>
-        <p:spPr>
-          <a:xfrm>
-            <a:off x="5181600" y="3429000"/>
-            <a:ext cx="6248400" cy="2765695"/>
-          </a:xfrm>
-        </p:spPr>
-        <p:txBody>
-          <a:bodyPr>
-            <a:normAutofit/>
-          </a:bodyPr>
-          <a:lstStyle/>
-          <a:p>
-            <a:pPr marL="0" indent="0">
-              <a:buNone/>
-            </a:pPr>
-            <a:r>
-              <a:rPr lang="en-US" u="sng" dirty="0"/>
-              <a:t>Code</a:t>
-            </a:r>
-            <a:r>
-              <a:rPr lang="en-US" dirty="0"/>
-              <a:t>:</a:t>
-            </a:r>
-          </a:p>
-          <a:p>
-            <a:r>
-              <a:rPr lang="en-US" dirty="0" err="1"/>
-              <a:t>px.bar</a:t>
-            </a:r>
-            <a:r>
-              <a:rPr lang="en-US" dirty="0"/>
-              <a:t>()</a:t>
-            </a:r>
-          </a:p>
-          <a:p>
-            <a:r>
-              <a:rPr lang="en-US" dirty="0" err="1"/>
-              <a:t>px.line</a:t>
-            </a:r>
-            <a:r>
-              <a:rPr lang="en-US" dirty="0"/>
-              <a:t>()</a:t>
-            </a:r>
-          </a:p>
-          <a:p>
-            <a:r>
-              <a:rPr lang="en-US" dirty="0" err="1"/>
-              <a:t>plt.box</a:t>
-            </a:r>
-            <a:r>
-              <a:rPr lang="en-US" dirty="0"/>
-              <a:t>()</a:t>
-            </a:r>
-          </a:p>
-          <a:p>
-            <a:r>
-              <a:rPr lang="en-US" dirty="0" err="1"/>
-              <a:t>plt.scatter</a:t>
-            </a:r>
-            <a:r>
-              <a:rPr lang="en-US" dirty="0"/>
-              <a:t>()</a:t>
-            </a:r>
-          </a:p>
-          <a:p>
-            <a:r>
-              <a:rPr lang="en-US" dirty="0" err="1"/>
-              <a:t>chloropleth</a:t>
-            </a:r>
-            <a:r>
-              <a:rPr lang="en-US" dirty="0"/>
-              <a:t>()</a:t>
-            </a:r>
-          </a:p>
-          <a:p>
-            <a:endParaRPr lang="en-US" dirty="0"/>
-          </a:p>
-        </p:txBody>
-      </p:sp>
-      <p:sp>
-        <p:nvSpPr>
-          <p:cNvPr id="5" name="Speech Bubble: Rectangle 4">
-            <a:extLst>
-              <a:ext uri="{FF2B5EF4-FFF2-40B4-BE49-F238E27FC236}">
-                <a16:creationId xmlns:a16="http://schemas.microsoft.com/office/drawing/2014/main" id="{809A17BA-BF3B-4026-9CBC-D900AE4BF9FE}"/>
-              </a:ext>
-            </a:extLst>
-          </p:cNvPr>
-          <p:cNvSpPr/>
-          <p:nvPr/>
-        </p:nvSpPr>
-        <p:spPr>
-          <a:xfrm>
-            <a:off x="7955560" y="2703352"/>
-            <a:ext cx="2374084" cy="1451296"/>
-          </a:xfrm>
-          <a:prstGeom prst="wedgeRectCallout">
-            <a:avLst>
-              <a:gd name="adj1" fmla="val -110586"/>
-              <a:gd name="adj2" fmla="val 74639"/>
-            </a:avLst>
-          </a:prstGeom>
-          <a:solidFill>
-            <a:srgbClr val="C00000"/>
-          </a:solidFill>
-          <a:ln>
-            <a:solidFill>
-              <a:schemeClr val="tx1">
-                <a:lumMod val="50000"/>
-                <a:lumOff val="50000"/>
-              </a:schemeClr>
-            </a:solidFill>
-          </a:ln>
-        </p:spPr>
-        <p:style>
-          <a:lnRef idx="2">
-            <a:schemeClr val="accent4">
-              <a:shade val="50000"/>
-            </a:schemeClr>
-          </a:lnRef>
-          <a:fillRef idx="1">
-            <a:schemeClr val="accent4"/>
-          </a:fillRef>
-          <a:effectRef idx="0">
-            <a:schemeClr val="accent4"/>
-          </a:effectRef>
-          <a:fontRef idx="minor">
-            <a:schemeClr val="lt1"/>
-          </a:fontRef>
-        </p:style>
-        <p:txBody>
-          <a:bodyPr rtlCol="0" anchor="ctr"/>
-          <a:lstStyle/>
-          <a:p>
-            <a:pPr algn="ctr"/>
-            <a:r>
-              <a:rPr lang="en-US" dirty="0"/>
-              <a:t>Create a line plot</a:t>
-            </a:r>
-          </a:p>
-        </p:txBody>
-      </p:sp>
-    </p:spTree>
-    <p:extLst>
-      <p:ext uri="{BB962C8B-B14F-4D97-AF65-F5344CB8AC3E}">
-        <p14:creationId xmlns:p14="http://schemas.microsoft.com/office/powerpoint/2010/main" val="2517600125"/>
       </p:ext>
     </p:extLst>
   </p:cSld>
@@ -14678,6 +14756,280 @@
           <p:cNvPr id="5" name="Speech Bubble: Rectangle 4">
             <a:extLst>
               <a:ext uri="{FF2B5EF4-FFF2-40B4-BE49-F238E27FC236}">
+                <a16:creationId xmlns:a16="http://schemas.microsoft.com/office/drawing/2014/main" id="{809A17BA-BF3B-4026-9CBC-D900AE4BF9FE}"/>
+              </a:ext>
+            </a:extLst>
+          </p:cNvPr>
+          <p:cNvSpPr/>
+          <p:nvPr/>
+        </p:nvSpPr>
+        <p:spPr>
+          <a:xfrm>
+            <a:off x="7955560" y="2703352"/>
+            <a:ext cx="2374084" cy="1451296"/>
+          </a:xfrm>
+          <a:prstGeom prst="wedgeRectCallout">
+            <a:avLst>
+              <a:gd name="adj1" fmla="val -110586"/>
+              <a:gd name="adj2" fmla="val 74639"/>
+            </a:avLst>
+          </a:prstGeom>
+          <a:solidFill>
+            <a:srgbClr val="C00000"/>
+          </a:solidFill>
+          <a:ln>
+            <a:solidFill>
+              <a:schemeClr val="tx1">
+                <a:lumMod val="50000"/>
+                <a:lumOff val="50000"/>
+              </a:schemeClr>
+            </a:solidFill>
+          </a:ln>
+        </p:spPr>
+        <p:style>
+          <a:lnRef idx="2">
+            <a:schemeClr val="accent4">
+              <a:shade val="50000"/>
+            </a:schemeClr>
+          </a:lnRef>
+          <a:fillRef idx="1">
+            <a:schemeClr val="accent4"/>
+          </a:fillRef>
+          <a:effectRef idx="0">
+            <a:schemeClr val="accent4"/>
+          </a:effectRef>
+          <a:fontRef idx="minor">
+            <a:schemeClr val="lt1"/>
+          </a:fontRef>
+        </p:style>
+        <p:txBody>
+          <a:bodyPr rtlCol="0" anchor="ctr"/>
+          <a:lstStyle/>
+          <a:p>
+            <a:pPr algn="ctr"/>
+            <a:r>
+              <a:rPr lang="en-US" dirty="0"/>
+              <a:t>Create a line plot</a:t>
+            </a:r>
+          </a:p>
+        </p:txBody>
+      </p:sp>
+    </p:spTree>
+    <p:extLst>
+      <p:ext uri="{BB962C8B-B14F-4D97-AF65-F5344CB8AC3E}">
+        <p14:creationId xmlns:p14="http://schemas.microsoft.com/office/powerpoint/2010/main" val="2517600125"/>
+      </p:ext>
+    </p:extLst>
+  </p:cSld>
+  <p:clrMapOvr>
+    <a:masterClrMapping/>
+  </p:clrMapOvr>
+</p:sld>
+</file>
+
+<file path=ppt/slides/slide41.xml><?xml version="1.0" encoding="utf-8"?>
+<p:sld xmlns:a="http://schemas.openxmlformats.org/drawingml/2006/main" xmlns:r="http://schemas.openxmlformats.org/officeDocument/2006/relationships" xmlns:p="http://schemas.openxmlformats.org/presentationml/2006/main">
+  <p:cSld>
+    <p:spTree>
+      <p:nvGrpSpPr>
+        <p:cNvPr id="1" name=""/>
+        <p:cNvGrpSpPr/>
+        <p:nvPr/>
+      </p:nvGrpSpPr>
+      <p:grpSpPr>
+        <a:xfrm>
+          <a:off x="0" y="0"/>
+          <a:ext cx="0" cy="0"/>
+          <a:chOff x="0" y="0"/>
+          <a:chExt cx="0" cy="0"/>
+        </a:xfrm>
+      </p:grpSpPr>
+      <p:sp>
+        <p:nvSpPr>
+          <p:cNvPr id="2" name="Title 1">
+            <a:extLst>
+              <a:ext uri="{FF2B5EF4-FFF2-40B4-BE49-F238E27FC236}">
+                <a16:creationId xmlns:a16="http://schemas.microsoft.com/office/drawing/2014/main" id="{C4BF96EA-50D0-4D28-A4AB-1207CFBDE4F2}"/>
+              </a:ext>
+            </a:extLst>
+          </p:cNvPr>
+          <p:cNvSpPr>
+            <a:spLocks noGrp="1"/>
+          </p:cNvSpPr>
+          <p:nvPr>
+            <p:ph type="title"/>
+          </p:nvPr>
+        </p:nvSpPr>
+        <p:spPr>
+          <a:xfrm>
+            <a:off x="762000" y="553328"/>
+            <a:ext cx="3833906" cy="4952492"/>
+          </a:xfrm>
+        </p:spPr>
+        <p:txBody>
+          <a:bodyPr/>
+          <a:lstStyle/>
+          <a:p>
+            <a:pPr algn="ctr"/>
+            <a:r>
+              <a:rPr lang="en-US" dirty="0"/>
+              <a:t>Tip #7:</a:t>
+            </a:r>
+            <a:br>
+              <a:rPr lang="en-US" dirty="0"/>
+            </a:br>
+            <a:br>
+              <a:rPr lang="en-US" sz="2400" dirty="0"/>
+            </a:br>
+            <a:r>
+              <a:rPr lang="en-US" dirty="0"/>
+              <a:t>Build graphics to explore ideas</a:t>
+            </a:r>
+          </a:p>
+        </p:txBody>
+      </p:sp>
+      <p:sp>
+        <p:nvSpPr>
+          <p:cNvPr id="3" name="Content Placeholder 2">
+            <a:extLst>
+              <a:ext uri="{FF2B5EF4-FFF2-40B4-BE49-F238E27FC236}">
+                <a16:creationId xmlns:a16="http://schemas.microsoft.com/office/drawing/2014/main" id="{C5E09723-9FA1-4E26-9354-D47E3A94DA62}"/>
+              </a:ext>
+            </a:extLst>
+          </p:cNvPr>
+          <p:cNvSpPr>
+            <a:spLocks noGrp="1"/>
+          </p:cNvSpPr>
+          <p:nvPr>
+            <p:ph sz="half" idx="1"/>
+          </p:nvPr>
+        </p:nvSpPr>
+        <p:spPr/>
+        <p:txBody>
+          <a:bodyPr>
+            <a:normAutofit/>
+          </a:bodyPr>
+          <a:lstStyle/>
+          <a:p>
+            <a:r>
+              <a:rPr lang="en-US" dirty="0"/>
+              <a:t>Visualize and communicate your results </a:t>
+            </a:r>
+          </a:p>
+          <a:p>
+            <a:r>
+              <a:rPr lang="en-US" dirty="0"/>
+              <a:t>Simple and to the point</a:t>
+            </a:r>
+          </a:p>
+          <a:p>
+            <a:r>
+              <a:rPr lang="en-US" dirty="0"/>
+              <a:t>Clearly label you axes and titles! </a:t>
+            </a:r>
+          </a:p>
+        </p:txBody>
+      </p:sp>
+      <p:sp>
+        <p:nvSpPr>
+          <p:cNvPr id="4" name="Content Placeholder 3">
+            <a:extLst>
+              <a:ext uri="{FF2B5EF4-FFF2-40B4-BE49-F238E27FC236}">
+                <a16:creationId xmlns:a16="http://schemas.microsoft.com/office/drawing/2014/main" id="{C3A29807-5150-48CF-ABDA-0B6162895737}"/>
+              </a:ext>
+            </a:extLst>
+          </p:cNvPr>
+          <p:cNvSpPr>
+            <a:spLocks noGrp="1"/>
+          </p:cNvSpPr>
+          <p:nvPr>
+            <p:ph sz="half" idx="2"/>
+          </p:nvPr>
+        </p:nvSpPr>
+        <p:spPr>
+          <a:xfrm>
+            <a:off x="5181600" y="3429000"/>
+            <a:ext cx="6248400" cy="2765695"/>
+          </a:xfrm>
+        </p:spPr>
+        <p:txBody>
+          <a:bodyPr>
+            <a:normAutofit/>
+          </a:bodyPr>
+          <a:lstStyle/>
+          <a:p>
+            <a:pPr marL="0" indent="0">
+              <a:buNone/>
+            </a:pPr>
+            <a:r>
+              <a:rPr lang="en-US" u="sng" dirty="0"/>
+              <a:t>Code</a:t>
+            </a:r>
+            <a:r>
+              <a:rPr lang="en-US" dirty="0"/>
+              <a:t>:</a:t>
+            </a:r>
+          </a:p>
+          <a:p>
+            <a:r>
+              <a:rPr lang="en-US" dirty="0" err="1"/>
+              <a:t>px.bar</a:t>
+            </a:r>
+            <a:r>
+              <a:rPr lang="en-US" dirty="0"/>
+              <a:t>()</a:t>
+            </a:r>
+          </a:p>
+          <a:p>
+            <a:r>
+              <a:rPr lang="en-US" dirty="0" err="1"/>
+              <a:t>px.line</a:t>
+            </a:r>
+            <a:r>
+              <a:rPr lang="en-US" dirty="0"/>
+              <a:t>()</a:t>
+            </a:r>
+          </a:p>
+          <a:p>
+            <a:r>
+              <a:rPr lang="en-US" dirty="0" err="1"/>
+              <a:t>plt.box</a:t>
+            </a:r>
+            <a:r>
+              <a:rPr lang="en-US" dirty="0"/>
+              <a:t>()</a:t>
+            </a:r>
+          </a:p>
+          <a:p>
+            <a:r>
+              <a:rPr lang="en-US" dirty="0" err="1"/>
+              <a:t>plt.scatter</a:t>
+            </a:r>
+            <a:r>
+              <a:rPr lang="en-US" dirty="0"/>
+              <a:t>()</a:t>
+            </a:r>
+          </a:p>
+          <a:p>
+            <a:r>
+              <a:rPr lang="en-US" dirty="0" err="1"/>
+              <a:t>chloropleth</a:t>
+            </a:r>
+            <a:r>
+              <a:rPr lang="en-US" dirty="0"/>
+              <a:t>()</a:t>
+            </a:r>
+          </a:p>
+          <a:p>
+            <a:endParaRPr lang="en-US" dirty="0"/>
+          </a:p>
+        </p:txBody>
+      </p:sp>
+      <p:sp>
+        <p:nvSpPr>
+          <p:cNvPr id="5" name="Speech Bubble: Rectangle 4">
+            <a:extLst>
+              <a:ext uri="{FF2B5EF4-FFF2-40B4-BE49-F238E27FC236}">
                 <a16:creationId xmlns:a16="http://schemas.microsoft.com/office/drawing/2014/main" id="{918619E5-B494-4FCB-A571-1AB858AC57B4}"/>
               </a:ext>
             </a:extLst>
@@ -14749,7 +15101,7 @@
 </p:sld>
 </file>
 
-<file path=ppt/slides/slide41.xml><?xml version="1.0" encoding="utf-8"?>
+<file path=ppt/slides/slide42.xml><?xml version="1.0" encoding="utf-8"?>
 <p:sld xmlns:a="http://schemas.openxmlformats.org/drawingml/2006/main" xmlns:r="http://schemas.openxmlformats.org/officeDocument/2006/relationships" xmlns:p="http://schemas.openxmlformats.org/presentationml/2006/main">
   <p:cSld>
     <p:spTree>
@@ -15023,7 +15375,7 @@
 </p:sld>
 </file>
 
-<file path=ppt/slides/slide42.xml><?xml version="1.0" encoding="utf-8"?>
+<file path=ppt/slides/slide43.xml><?xml version="1.0" encoding="utf-8"?>
 <p:sld xmlns:a="http://schemas.openxmlformats.org/drawingml/2006/main" xmlns:r="http://schemas.openxmlformats.org/officeDocument/2006/relationships" xmlns:p="http://schemas.openxmlformats.org/presentationml/2006/main">
   <p:cSld>
     <p:spTree>
@@ -15297,7 +15649,7 @@
 </p:sld>
 </file>
 
-<file path=ppt/slides/slide43.xml><?xml version="1.0" encoding="utf-8"?>
+<file path=ppt/slides/slide44.xml><?xml version="1.0" encoding="utf-8"?>
 <p:sld xmlns:a="http://schemas.openxmlformats.org/drawingml/2006/main" xmlns:r="http://schemas.openxmlformats.org/officeDocument/2006/relationships" xmlns:p="http://schemas.openxmlformats.org/presentationml/2006/main">
   <p:cSld>
     <p:spTree>
@@ -15446,7 +15798,7 @@
 </p:sld>
 </file>
 
-<file path=ppt/slides/slide44.xml><?xml version="1.0" encoding="utf-8"?>
+<file path=ppt/slides/slide45.xml><?xml version="1.0" encoding="utf-8"?>
 <p:sld xmlns:a="http://schemas.openxmlformats.org/drawingml/2006/main" xmlns:r="http://schemas.openxmlformats.org/officeDocument/2006/relationships" xmlns:p="http://schemas.openxmlformats.org/presentationml/2006/main">
   <p:cSld>
     <p:bg>
@@ -16631,6 +16983,14 @@
 <file path=ppt/slides/slide7.xml><?xml version="1.0" encoding="utf-8"?>
 <p:sld xmlns:a="http://schemas.openxmlformats.org/drawingml/2006/main" xmlns:r="http://schemas.openxmlformats.org/officeDocument/2006/relationships" xmlns:p="http://schemas.openxmlformats.org/presentationml/2006/main">
   <p:cSld>
+    <p:bg>
+      <p:bgPr>
+        <a:solidFill>
+          <a:schemeClr val="bg2"/>
+        </a:solidFill>
+        <a:effectLst/>
+      </p:bgPr>
+    </p:bg>
     <p:spTree>
       <p:nvGrpSpPr>
         <p:cNvPr id="1" name=""/>
@@ -16645,6 +17005,535 @@
           <a:chExt cx="0" cy="0"/>
         </a:xfrm>
       </p:grpSpPr>
+      <p:sp useBgFill="1">
+        <p:nvSpPr>
+          <p:cNvPr id="11" name="Rectangle 10">
+            <a:extLst>
+              <a:ext uri="{FF2B5EF4-FFF2-40B4-BE49-F238E27FC236}">
+                <a16:creationId xmlns:a16="http://schemas.microsoft.com/office/drawing/2014/main" id="{4281BC32-FF58-4898-A6B5-7B3D059BCEB0}"/>
+              </a:ext>
+              <a:ext uri="{C183D7F6-B498-43B3-948B-1728B52AA6E4}">
+                <adec:decorative xmlns:adec="http://schemas.microsoft.com/office/drawing/2017/decorative" val="1"/>
+              </a:ext>
+            </a:extLst>
+          </p:cNvPr>
+          <p:cNvSpPr>
+            <a:spLocks noGrp="1" noRot="1" noChangeAspect="1" noMove="1" noResize="1" noEditPoints="1" noAdjustHandles="1" noChangeArrowheads="1" noChangeShapeType="1" noTextEdit="1"/>
+          </p:cNvSpPr>
+          <p:nvPr>
+            <p:extLst>
+              <p:ext uri="{386F3935-93C4-4BCD-93E2-E3B085C9AB24}">
+                <p16:designElem xmlns:p16="http://schemas.microsoft.com/office/powerpoint/2015/main" val="1"/>
+              </p:ext>
+            </p:extLst>
+          </p:nvPr>
+        </p:nvSpPr>
+        <p:spPr>
+          <a:xfrm>
+            <a:off x="0" y="0"/>
+            <a:ext cx="12192000" cy="6858000"/>
+          </a:xfrm>
+          <a:prstGeom prst="rect">
+            <a:avLst/>
+          </a:prstGeom>
+          <a:ln>
+            <a:noFill/>
+          </a:ln>
+        </p:spPr>
+        <p:style>
+          <a:lnRef idx="2">
+            <a:schemeClr val="accent1">
+              <a:shade val="50000"/>
+            </a:schemeClr>
+          </a:lnRef>
+          <a:fillRef idx="1">
+            <a:schemeClr val="accent1"/>
+          </a:fillRef>
+          <a:effectRef idx="0">
+            <a:schemeClr val="accent1"/>
+          </a:effectRef>
+          <a:fontRef idx="minor">
+            <a:schemeClr val="lt1"/>
+          </a:fontRef>
+        </p:style>
+        <p:txBody>
+          <a:bodyPr rtlCol="0" anchor="ctr"/>
+          <a:lstStyle/>
+          <a:p>
+            <a:pPr algn="ctr"/>
+            <a:endParaRPr lang="en-US"/>
+          </a:p>
+        </p:txBody>
+      </p:sp>
+      <p:sp>
+        <p:nvSpPr>
+          <p:cNvPr id="13" name="Rectangle 12">
+            <a:extLst>
+              <a:ext uri="{FF2B5EF4-FFF2-40B4-BE49-F238E27FC236}">
+                <a16:creationId xmlns:a16="http://schemas.microsoft.com/office/drawing/2014/main" id="{0D614406-135F-4875-9C87-53822CB19ABB}"/>
+              </a:ext>
+              <a:ext uri="{C183D7F6-B498-43B3-948B-1728B52AA6E4}">
+                <adec:decorative xmlns:adec="http://schemas.microsoft.com/office/drawing/2017/decorative" val="1"/>
+              </a:ext>
+            </a:extLst>
+          </p:cNvPr>
+          <p:cNvSpPr>
+            <a:spLocks noGrp="1" noRot="1" noChangeAspect="1" noMove="1" noResize="1" noEditPoints="1" noAdjustHandles="1" noChangeArrowheads="1" noChangeShapeType="1" noTextEdit="1"/>
+          </p:cNvSpPr>
+          <p:nvPr>
+            <p:extLst>
+              <p:ext uri="{386F3935-93C4-4BCD-93E2-E3B085C9AB24}">
+                <p16:designElem xmlns:p16="http://schemas.microsoft.com/office/powerpoint/2015/main" val="1"/>
+              </p:ext>
+            </p:extLst>
+          </p:nvPr>
+        </p:nvSpPr>
+        <p:spPr>
+          <a:xfrm>
+            <a:off x="0" y="0"/>
+            <a:ext cx="12191999" cy="2285999"/>
+          </a:xfrm>
+          <a:prstGeom prst="rect">
+            <a:avLst/>
+          </a:prstGeom>
+          <a:solidFill>
+            <a:schemeClr val="tx1"/>
+          </a:solidFill>
+          <a:ln>
+            <a:noFill/>
+          </a:ln>
+        </p:spPr>
+        <p:style>
+          <a:lnRef idx="2">
+            <a:schemeClr val="accent1">
+              <a:shade val="50000"/>
+            </a:schemeClr>
+          </a:lnRef>
+          <a:fillRef idx="1">
+            <a:schemeClr val="accent1"/>
+          </a:fillRef>
+          <a:effectRef idx="0">
+            <a:schemeClr val="accent1"/>
+          </a:effectRef>
+          <a:fontRef idx="minor">
+            <a:schemeClr val="lt1"/>
+          </a:fontRef>
+        </p:style>
+        <p:txBody>
+          <a:bodyPr rtlCol="0" anchor="ctr"/>
+          <a:lstStyle/>
+          <a:p>
+            <a:pPr algn="ctr"/>
+            <a:endParaRPr lang="en-US"/>
+          </a:p>
+        </p:txBody>
+      </p:sp>
+      <p:sp>
+        <p:nvSpPr>
+          <p:cNvPr id="5" name="Title 4">
+            <a:extLst>
+              <a:ext uri="{FF2B5EF4-FFF2-40B4-BE49-F238E27FC236}">
+                <a16:creationId xmlns:a16="http://schemas.microsoft.com/office/drawing/2014/main" id="{2067955F-7CDB-4B80-9976-8DF1AF60C2FC}"/>
+              </a:ext>
+            </a:extLst>
+          </p:cNvPr>
+          <p:cNvSpPr>
+            <a:spLocks noGrp="1"/>
+          </p:cNvSpPr>
+          <p:nvPr>
+            <p:ph type="title"/>
+          </p:nvPr>
+        </p:nvSpPr>
+        <p:spPr>
+          <a:xfrm>
+            <a:off x="960120" y="434101"/>
+            <a:ext cx="7169753" cy="1232750"/>
+          </a:xfrm>
+        </p:spPr>
+        <p:txBody>
+          <a:bodyPr anchor="b">
+            <a:normAutofit/>
+          </a:bodyPr>
+          <a:lstStyle/>
+          <a:p>
+            <a:r>
+              <a:rPr lang="en-US" dirty="0">
+                <a:solidFill>
+                  <a:schemeClr val="bg1"/>
+                </a:solidFill>
+              </a:rPr>
+              <a:t>Python Tips!</a:t>
+            </a:r>
+          </a:p>
+        </p:txBody>
+      </p:sp>
+      <p:cxnSp>
+        <p:nvCxnSpPr>
+          <p:cNvPr id="15" name="Straight Connector 14">
+            <a:extLst>
+              <a:ext uri="{FF2B5EF4-FFF2-40B4-BE49-F238E27FC236}">
+                <a16:creationId xmlns:a16="http://schemas.microsoft.com/office/drawing/2014/main" id="{C6C21149-7D17-44C2-AFB6-4D931DC55FB1}"/>
+              </a:ext>
+              <a:ext uri="{C183D7F6-B498-43B3-948B-1728B52AA6E4}">
+                <adec:decorative xmlns:adec="http://schemas.microsoft.com/office/drawing/2017/decorative" val="1"/>
+              </a:ext>
+            </a:extLst>
+          </p:cNvPr>
+          <p:cNvCxnSpPr>
+            <a:cxnSpLocks noGrp="1" noRot="1" noChangeAspect="1" noMove="1" noResize="1" noEditPoints="1" noAdjustHandles="1" noChangeArrowheads="1" noChangeShapeType="1"/>
+          </p:cNvCxnSpPr>
+          <p:nvPr>
+            <p:extLst>
+              <p:ext uri="{386F3935-93C4-4BCD-93E2-E3B085C9AB24}">
+                <p16:designElem xmlns:p16="http://schemas.microsoft.com/office/powerpoint/2015/main" val="1"/>
+              </p:ext>
+            </p:extLst>
+          </p:nvPr>
+        </p:nvCxnSpPr>
+        <p:spPr>
+          <a:xfrm>
+            <a:off x="0" y="1676579"/>
+            <a:ext cx="8129873" cy="6020"/>
+          </a:xfrm>
+          <a:prstGeom prst="line">
+            <a:avLst/>
+          </a:prstGeom>
+          <a:ln w="25400">
+            <a:solidFill>
+              <a:schemeClr val="bg1"/>
+            </a:solidFill>
+          </a:ln>
+        </p:spPr>
+        <p:style>
+          <a:lnRef idx="1">
+            <a:schemeClr val="accent1"/>
+          </a:lnRef>
+          <a:fillRef idx="0">
+            <a:schemeClr val="accent1"/>
+          </a:fillRef>
+          <a:effectRef idx="0">
+            <a:schemeClr val="accent1"/>
+          </a:effectRef>
+          <a:fontRef idx="minor">
+            <a:schemeClr val="tx1"/>
+          </a:fontRef>
+        </p:style>
+      </p:cxnSp>
+      <p:sp>
+        <p:nvSpPr>
+          <p:cNvPr id="17" name="Freeform 6">
+            <a:extLst>
+              <a:ext uri="{FF2B5EF4-FFF2-40B4-BE49-F238E27FC236}">
+                <a16:creationId xmlns:a16="http://schemas.microsoft.com/office/drawing/2014/main" id="{C2E5FCF0-567A-448C-A6E3-920BFC702C2F}"/>
+              </a:ext>
+              <a:ext uri="{C183D7F6-B498-43B3-948B-1728B52AA6E4}">
+                <adec:decorative xmlns:adec="http://schemas.microsoft.com/office/drawing/2017/decorative" val="1"/>
+              </a:ext>
+            </a:extLst>
+          </p:cNvPr>
+          <p:cNvSpPr>
+            <a:spLocks noGrp="1" noRot="1" noChangeAspect="1" noMove="1" noResize="1" noEditPoints="1" noAdjustHandles="1" noChangeArrowheads="1" noChangeShapeType="1" noTextEdit="1"/>
+          </p:cNvSpPr>
+          <p:nvPr>
+            <p:extLst>
+              <p:ext uri="{386F3935-93C4-4BCD-93E2-E3B085C9AB24}">
+                <p16:designElem xmlns:p16="http://schemas.microsoft.com/office/powerpoint/2015/main" val="1"/>
+              </p:ext>
+            </p:extLst>
+          </p:nvPr>
+        </p:nvSpPr>
+        <p:spPr bwMode="auto">
+          <a:xfrm>
+            <a:off x="11784011" y="938535"/>
+            <a:ext cx="407988" cy="819150"/>
+          </a:xfrm>
+          <a:custGeom>
+            <a:avLst/>
+            <a:gdLst/>
+            <a:ahLst/>
+            <a:cxnLst/>
+            <a:rect l="0" t="0" r="r" b="b"/>
+            <a:pathLst>
+              <a:path w="1799" h="3612">
+                <a:moveTo>
+                  <a:pt x="1799" y="0"/>
+                </a:moveTo>
+                <a:lnTo>
+                  <a:pt x="1799" y="3612"/>
+                </a:lnTo>
+                <a:lnTo>
+                  <a:pt x="1686" y="3609"/>
+                </a:lnTo>
+                <a:lnTo>
+                  <a:pt x="1574" y="3598"/>
+                </a:lnTo>
+                <a:lnTo>
+                  <a:pt x="1464" y="3581"/>
+                </a:lnTo>
+                <a:lnTo>
+                  <a:pt x="1357" y="3557"/>
+                </a:lnTo>
+                <a:lnTo>
+                  <a:pt x="1251" y="3527"/>
+                </a:lnTo>
+                <a:lnTo>
+                  <a:pt x="1150" y="3490"/>
+                </a:lnTo>
+                <a:lnTo>
+                  <a:pt x="1050" y="3448"/>
+                </a:lnTo>
+                <a:lnTo>
+                  <a:pt x="953" y="3401"/>
+                </a:lnTo>
+                <a:lnTo>
+                  <a:pt x="860" y="3347"/>
+                </a:lnTo>
+                <a:lnTo>
+                  <a:pt x="771" y="3289"/>
+                </a:lnTo>
+                <a:lnTo>
+                  <a:pt x="686" y="3224"/>
+                </a:lnTo>
+                <a:lnTo>
+                  <a:pt x="604" y="3156"/>
+                </a:lnTo>
+                <a:lnTo>
+                  <a:pt x="527" y="3083"/>
+                </a:lnTo>
+                <a:lnTo>
+                  <a:pt x="454" y="3005"/>
+                </a:lnTo>
+                <a:lnTo>
+                  <a:pt x="386" y="2923"/>
+                </a:lnTo>
+                <a:lnTo>
+                  <a:pt x="323" y="2838"/>
+                </a:lnTo>
+                <a:lnTo>
+                  <a:pt x="265" y="2748"/>
+                </a:lnTo>
+                <a:lnTo>
+                  <a:pt x="211" y="2655"/>
+                </a:lnTo>
+                <a:lnTo>
+                  <a:pt x="163" y="2559"/>
+                </a:lnTo>
+                <a:lnTo>
+                  <a:pt x="121" y="2459"/>
+                </a:lnTo>
+                <a:lnTo>
+                  <a:pt x="85" y="2356"/>
+                </a:lnTo>
+                <a:lnTo>
+                  <a:pt x="55" y="2251"/>
+                </a:lnTo>
+                <a:lnTo>
+                  <a:pt x="32" y="2143"/>
+                </a:lnTo>
+                <a:lnTo>
+                  <a:pt x="14" y="2033"/>
+                </a:lnTo>
+                <a:lnTo>
+                  <a:pt x="4" y="1920"/>
+                </a:lnTo>
+                <a:lnTo>
+                  <a:pt x="0" y="1806"/>
+                </a:lnTo>
+                <a:lnTo>
+                  <a:pt x="4" y="1692"/>
+                </a:lnTo>
+                <a:lnTo>
+                  <a:pt x="14" y="1580"/>
+                </a:lnTo>
+                <a:lnTo>
+                  <a:pt x="32" y="1469"/>
+                </a:lnTo>
+                <a:lnTo>
+                  <a:pt x="55" y="1362"/>
+                </a:lnTo>
+                <a:lnTo>
+                  <a:pt x="85" y="1256"/>
+                </a:lnTo>
+                <a:lnTo>
+                  <a:pt x="121" y="1154"/>
+                </a:lnTo>
+                <a:lnTo>
+                  <a:pt x="163" y="1054"/>
+                </a:lnTo>
+                <a:lnTo>
+                  <a:pt x="211" y="958"/>
+                </a:lnTo>
+                <a:lnTo>
+                  <a:pt x="265" y="864"/>
+                </a:lnTo>
+                <a:lnTo>
+                  <a:pt x="323" y="774"/>
+                </a:lnTo>
+                <a:lnTo>
+                  <a:pt x="386" y="689"/>
+                </a:lnTo>
+                <a:lnTo>
+                  <a:pt x="454" y="607"/>
+                </a:lnTo>
+                <a:lnTo>
+                  <a:pt x="527" y="529"/>
+                </a:lnTo>
+                <a:lnTo>
+                  <a:pt x="604" y="456"/>
+                </a:lnTo>
+                <a:lnTo>
+                  <a:pt x="686" y="388"/>
+                </a:lnTo>
+                <a:lnTo>
+                  <a:pt x="771" y="325"/>
+                </a:lnTo>
+                <a:lnTo>
+                  <a:pt x="860" y="266"/>
+                </a:lnTo>
+                <a:lnTo>
+                  <a:pt x="953" y="212"/>
+                </a:lnTo>
+                <a:lnTo>
+                  <a:pt x="1050" y="164"/>
+                </a:lnTo>
+                <a:lnTo>
+                  <a:pt x="1150" y="122"/>
+                </a:lnTo>
+                <a:lnTo>
+                  <a:pt x="1251" y="85"/>
+                </a:lnTo>
+                <a:lnTo>
+                  <a:pt x="1357" y="55"/>
+                </a:lnTo>
+                <a:lnTo>
+                  <a:pt x="1464" y="32"/>
+                </a:lnTo>
+                <a:lnTo>
+                  <a:pt x="1574" y="14"/>
+                </a:lnTo>
+                <a:lnTo>
+                  <a:pt x="1686" y="5"/>
+                </a:lnTo>
+                <a:lnTo>
+                  <a:pt x="1799" y="0"/>
+                </a:lnTo>
+                <a:close/>
+              </a:path>
+            </a:pathLst>
+          </a:custGeom>
+          <a:solidFill>
+            <a:schemeClr val="bg2"/>
+          </a:solidFill>
+          <a:ln w="0">
+            <a:noFill/>
+            <a:prstDash val="solid"/>
+            <a:round/>
+            <a:headEnd/>
+            <a:tailEnd/>
+          </a:ln>
+        </p:spPr>
+      </p:sp>
+      <p:sp>
+        <p:nvSpPr>
+          <p:cNvPr id="6" name="Content Placeholder 5">
+            <a:extLst>
+              <a:ext uri="{FF2B5EF4-FFF2-40B4-BE49-F238E27FC236}">
+                <a16:creationId xmlns:a16="http://schemas.microsoft.com/office/drawing/2014/main" id="{07C1AE30-98DD-49AB-87C2-20DCC0DA1696}"/>
+              </a:ext>
+            </a:extLst>
+          </p:cNvPr>
+          <p:cNvSpPr>
+            <a:spLocks noGrp="1"/>
+          </p:cNvSpPr>
+          <p:nvPr>
+            <p:ph idx="1"/>
+          </p:nvPr>
+        </p:nvSpPr>
+        <p:spPr>
+          <a:xfrm>
+            <a:off x="960119" y="2942252"/>
+            <a:ext cx="10266681" cy="3172409"/>
+          </a:xfrm>
+        </p:spPr>
+        <p:txBody>
+          <a:bodyPr>
+            <a:normAutofit/>
+          </a:bodyPr>
+          <a:lstStyle/>
+          <a:p>
+            <a:r>
+              <a:rPr lang="en-US" dirty="0"/>
+              <a:t>Tip #1 – Evaluate column names and types</a:t>
+            </a:r>
+          </a:p>
+          <a:p>
+            <a:r>
+              <a:rPr lang="en-US" dirty="0"/>
+              <a:t>Tip #2 – Detect NA's &amp; duplicates; why are they there?</a:t>
+            </a:r>
+          </a:p>
+          <a:p>
+            <a:r>
+              <a:rPr lang="en-US" dirty="0"/>
+              <a:t>Tip #3 - String Cleaning &amp; Variable Creation</a:t>
+            </a:r>
+          </a:p>
+          <a:p>
+            <a:r>
+              <a:rPr lang="en-US" dirty="0"/>
+              <a:t>Tip #4 - Join and reshape data</a:t>
+            </a:r>
+          </a:p>
+          <a:p>
+            <a:r>
+              <a:rPr lang="en-US" dirty="0"/>
+              <a:t>Tip #5 - Numeric summaries and outlier detection</a:t>
+            </a:r>
+          </a:p>
+          <a:p>
+            <a:r>
+              <a:rPr lang="en-US" dirty="0"/>
+              <a:t>Tip #6 - Evaluating categorical variables with frequency tables</a:t>
+            </a:r>
+          </a:p>
+          <a:p>
+            <a:r>
+              <a:rPr lang="en-US" dirty="0"/>
+              <a:t>Tip #7 - Build graphics to explore ideas</a:t>
+            </a:r>
+          </a:p>
+        </p:txBody>
+      </p:sp>
+    </p:spTree>
+    <p:extLst>
+      <p:ext uri="{BB962C8B-B14F-4D97-AF65-F5344CB8AC3E}">
+        <p14:creationId xmlns:p14="http://schemas.microsoft.com/office/powerpoint/2010/main" val="1624101230"/>
+      </p:ext>
+    </p:extLst>
+  </p:cSld>
+  <p:clrMapOvr>
+    <a:masterClrMapping/>
+  </p:clrMapOvr>
+</p:sld>
+</file>
+
+<file path=ppt/slides/slide8.xml><?xml version="1.0" encoding="utf-8"?>
+<p:sld xmlns:a="http://schemas.openxmlformats.org/drawingml/2006/main" xmlns:r="http://schemas.openxmlformats.org/officeDocument/2006/relationships" xmlns:p="http://schemas.openxmlformats.org/presentationml/2006/main">
+  <p:cSld>
+    <p:spTree>
+      <p:nvGrpSpPr>
+        <p:cNvPr id="1" name=""/>
+        <p:cNvGrpSpPr/>
+        <p:nvPr/>
+      </p:nvGrpSpPr>
+      <p:grpSpPr>
+        <a:xfrm>
+          <a:off x="0" y="0"/>
+          <a:ext cx="0" cy="0"/>
+          <a:chOff x="0" y="0"/>
+          <a:chExt cx="0" cy="0"/>
+        </a:xfrm>
+      </p:grpSpPr>
       <p:sp>
         <p:nvSpPr>
           <p:cNvPr id="4" name="Title 3">
@@ -16824,7 +17713,7 @@
 </p:sld>
 </file>
 
-<file path=ppt/slides/slide8.xml><?xml version="1.0" encoding="utf-8"?>
+<file path=ppt/slides/slide9.xml><?xml version="1.0" encoding="utf-8"?>
 <p:sld xmlns:a="http://schemas.openxmlformats.org/drawingml/2006/main" xmlns:r="http://schemas.openxmlformats.org/officeDocument/2006/relationships" xmlns:p="http://schemas.openxmlformats.org/presentationml/2006/main">
   <p:cSld>
     <p:spTree>
@@ -17071,262 +17960,6 @@
     <p:extLst>
       <p:ext uri="{BB962C8B-B14F-4D97-AF65-F5344CB8AC3E}">
         <p14:creationId xmlns:p14="http://schemas.microsoft.com/office/powerpoint/2010/main" val="693772108"/>
-      </p:ext>
-    </p:extLst>
-  </p:cSld>
-  <p:clrMapOvr>
-    <a:masterClrMapping/>
-  </p:clrMapOvr>
-</p:sld>
-</file>
-
-<file path=ppt/slides/slide9.xml><?xml version="1.0" encoding="utf-8"?>
-<p:sld xmlns:a="http://schemas.openxmlformats.org/drawingml/2006/main" xmlns:r="http://schemas.openxmlformats.org/officeDocument/2006/relationships" xmlns:p="http://schemas.openxmlformats.org/presentationml/2006/main">
-  <p:cSld>
-    <p:spTree>
-      <p:nvGrpSpPr>
-        <p:cNvPr id="1" name=""/>
-        <p:cNvGrpSpPr/>
-        <p:nvPr/>
-      </p:nvGrpSpPr>
-      <p:grpSpPr>
-        <a:xfrm>
-          <a:off x="0" y="0"/>
-          <a:ext cx="0" cy="0"/>
-          <a:chOff x="0" y="0"/>
-          <a:chExt cx="0" cy="0"/>
-        </a:xfrm>
-      </p:grpSpPr>
-      <p:sp>
-        <p:nvSpPr>
-          <p:cNvPr id="4" name="Title 3">
-            <a:extLst>
-              <a:ext uri="{FF2B5EF4-FFF2-40B4-BE49-F238E27FC236}">
-                <a16:creationId xmlns:a16="http://schemas.microsoft.com/office/drawing/2014/main" id="{74FAA121-F7E4-4AC3-B95C-A489E0AB9DC7}"/>
-              </a:ext>
-            </a:extLst>
-          </p:cNvPr>
-          <p:cNvSpPr>
-            <a:spLocks noGrp="1"/>
-          </p:cNvSpPr>
-          <p:nvPr>
-            <p:ph type="title"/>
-          </p:nvPr>
-        </p:nvSpPr>
-        <p:spPr/>
-        <p:txBody>
-          <a:bodyPr/>
-          <a:lstStyle/>
-          <a:p>
-            <a:pPr algn="ctr"/>
-            <a:r>
-              <a:rPr lang="en-US" dirty="0"/>
-              <a:t>Tip #1:</a:t>
-            </a:r>
-            <a:br>
-              <a:rPr lang="en-US" dirty="0"/>
-            </a:br>
-            <a:br>
-              <a:rPr lang="en-US" sz="3200" dirty="0"/>
-            </a:br>
-            <a:r>
-              <a:rPr lang="en-US" dirty="0"/>
-              <a:t>Evaluate column names and types</a:t>
-            </a:r>
-          </a:p>
-        </p:txBody>
-      </p:sp>
-      <p:sp>
-        <p:nvSpPr>
-          <p:cNvPr id="5" name="Content Placeholder 4">
-            <a:extLst>
-              <a:ext uri="{FF2B5EF4-FFF2-40B4-BE49-F238E27FC236}">
-                <a16:creationId xmlns:a16="http://schemas.microsoft.com/office/drawing/2014/main" id="{E91B4B73-09DA-4A04-9226-AA0707B86FAE}"/>
-              </a:ext>
-            </a:extLst>
-          </p:cNvPr>
-          <p:cNvSpPr>
-            <a:spLocks noGrp="1"/>
-          </p:cNvSpPr>
-          <p:nvPr>
-            <p:ph sz="half" idx="1"/>
-          </p:nvPr>
-        </p:nvSpPr>
-        <p:spPr/>
-        <p:txBody>
-          <a:bodyPr>
-            <a:normAutofit/>
-          </a:bodyPr>
-          <a:lstStyle/>
-          <a:p>
-            <a:r>
-              <a:rPr lang="en-US" dirty="0"/>
-              <a:t>Consistent names are easier to read</a:t>
-            </a:r>
-          </a:p>
-          <a:p>
-            <a:r>
-              <a:rPr lang="en-US" dirty="0"/>
-              <a:t>Lower case is the best case </a:t>
-            </a:r>
-          </a:p>
-          <a:p>
-            <a:r>
-              <a:rPr lang="en-US" dirty="0"/>
-              <a:t>Remove special characters and spaces </a:t>
-            </a:r>
-          </a:p>
-          <a:p>
-            <a:r>
-              <a:rPr lang="en-US" dirty="0"/>
-              <a:t>Make your life simpler! </a:t>
-            </a:r>
-          </a:p>
-          <a:p>
-            <a:endParaRPr lang="en-US" dirty="0"/>
-          </a:p>
-        </p:txBody>
-      </p:sp>
-      <p:sp>
-        <p:nvSpPr>
-          <p:cNvPr id="6" name="Content Placeholder 5">
-            <a:extLst>
-              <a:ext uri="{FF2B5EF4-FFF2-40B4-BE49-F238E27FC236}">
-                <a16:creationId xmlns:a16="http://schemas.microsoft.com/office/drawing/2014/main" id="{699F1543-E86D-4549-878C-71227D399F59}"/>
-              </a:ext>
-            </a:extLst>
-          </p:cNvPr>
-          <p:cNvSpPr>
-            <a:spLocks noGrp="1"/>
-          </p:cNvSpPr>
-          <p:nvPr>
-            <p:ph sz="half" idx="2"/>
-          </p:nvPr>
-        </p:nvSpPr>
-        <p:spPr>
-          <a:xfrm>
-            <a:off x="5181600" y="3511131"/>
-            <a:ext cx="6248400" cy="2482228"/>
-          </a:xfrm>
-        </p:spPr>
-        <p:txBody>
-          <a:bodyPr>
-            <a:normAutofit/>
-          </a:bodyPr>
-          <a:lstStyle/>
-          <a:p>
-            <a:pPr marL="0" indent="0" algn="just">
-              <a:buNone/>
-            </a:pPr>
-            <a:r>
-              <a:rPr lang="en-US" u="sng" dirty="0"/>
-              <a:t>Code:</a:t>
-            </a:r>
-          </a:p>
-          <a:p>
-            <a:pPr algn="just"/>
-            <a:r>
-              <a:rPr lang="en-US" dirty="0" err="1"/>
-              <a:t>df.shape</a:t>
-            </a:r>
-            <a:endParaRPr lang="en-US" dirty="0"/>
-          </a:p>
-          <a:p>
-            <a:pPr algn="just"/>
-            <a:r>
-              <a:rPr lang="en-US" dirty="0"/>
-              <a:t>df.info()</a:t>
-            </a:r>
-          </a:p>
-          <a:p>
-            <a:pPr algn="just"/>
-            <a:r>
-              <a:rPr lang="en-US" dirty="0" err="1"/>
-              <a:t>df.dtypes</a:t>
-            </a:r>
-            <a:r>
-              <a:rPr lang="en-US" dirty="0"/>
-              <a:t>()</a:t>
-            </a:r>
-          </a:p>
-          <a:p>
-            <a:pPr algn="just"/>
-            <a:r>
-              <a:rPr lang="en-US" dirty="0" err="1"/>
-              <a:t>df.columns</a:t>
-            </a:r>
-            <a:endParaRPr lang="en-US" dirty="0"/>
-          </a:p>
-          <a:p>
-            <a:pPr algn="just"/>
-            <a:endParaRPr lang="en-US" dirty="0"/>
-          </a:p>
-        </p:txBody>
-      </p:sp>
-      <p:sp>
-        <p:nvSpPr>
-          <p:cNvPr id="7" name="Speech Bubble: Rectangle 6">
-            <a:extLst>
-              <a:ext uri="{FF2B5EF4-FFF2-40B4-BE49-F238E27FC236}">
-                <a16:creationId xmlns:a16="http://schemas.microsoft.com/office/drawing/2014/main" id="{7EE11EDD-7EA5-48E1-BC1B-4428AA9E289F}"/>
-              </a:ext>
-            </a:extLst>
-          </p:cNvPr>
-          <p:cNvSpPr/>
-          <p:nvPr/>
-        </p:nvSpPr>
-        <p:spPr>
-          <a:xfrm>
-            <a:off x="7222922" y="2768603"/>
-            <a:ext cx="2499919" cy="1156532"/>
-          </a:xfrm>
-          <a:prstGeom prst="wedgeRectCallout">
-            <a:avLst>
-              <a:gd name="adj1" fmla="val -79557"/>
-              <a:gd name="adj2" fmla="val 116177"/>
-            </a:avLst>
-          </a:prstGeom>
-        </p:spPr>
-        <p:style>
-          <a:lnRef idx="2">
-            <a:schemeClr val="accent1">
-              <a:shade val="50000"/>
-            </a:schemeClr>
-          </a:lnRef>
-          <a:fillRef idx="1">
-            <a:schemeClr val="accent1"/>
-          </a:fillRef>
-          <a:effectRef idx="0">
-            <a:schemeClr val="accent1"/>
-          </a:effectRef>
-          <a:fontRef idx="minor">
-            <a:schemeClr val="lt1"/>
-          </a:fontRef>
-        </p:style>
-        <p:txBody>
-          <a:bodyPr rtlCol="0" anchor="ctr"/>
-          <a:lstStyle/>
-          <a:p>
-            <a:pPr algn="ctr"/>
-            <a:r>
-              <a:rPr lang="en-US" dirty="0"/>
-              <a:t>Returns summary of the </a:t>
-            </a:r>
-            <a:r>
-              <a:rPr lang="en-US" dirty="0" err="1"/>
-              <a:t>DataFrame</a:t>
-            </a:r>
-            <a:r>
-              <a:rPr lang="en-US" dirty="0"/>
-              <a:t> (df) </a:t>
-            </a:r>
-          </a:p>
-        </p:txBody>
-      </p:sp>
-    </p:spTree>
-    <p:extLst>
-      <p:ext uri="{BB962C8B-B14F-4D97-AF65-F5344CB8AC3E}">
-        <p14:creationId xmlns:p14="http://schemas.microsoft.com/office/powerpoint/2010/main" val="1944344715"/>
       </p:ext>
     </p:extLst>
   </p:cSld>

--- a/IntroPython_TipsForSuccess.pptx
+++ b/IntroPython_TipsForSuccess.pptx
@@ -55,7 +55,7 @@
     <p:sldId id="267" r:id="rId46"/>
   </p:sldIdLst>
   <p:sldSz cx="12192000" cy="6858000"/>
-  <p:notesSz cx="6858000" cy="9144000"/>
+  <p:notesSz cx="7023100" cy="9309100"/>
   <p:defaultTextStyle>
     <a:defPPr>
       <a:defRPr lang="en-US"/>
@@ -194,14 +194,14 @@
         <p:spPr>
           <a:xfrm>
             <a:off x="0" y="0"/>
-            <a:ext cx="2971800" cy="458788"/>
+            <a:ext cx="3043343" cy="467072"/>
           </a:xfrm>
           <a:prstGeom prst="rect">
             <a:avLst/>
           </a:prstGeom>
         </p:spPr>
         <p:txBody>
-          <a:bodyPr vert="horz" lIns="91440" tIns="45720" rIns="91440" bIns="45720" rtlCol="0"/>
+          <a:bodyPr vert="horz" lIns="93324" tIns="46662" rIns="93324" bIns="46662" rtlCol="0"/>
           <a:lstStyle>
             <a:lvl1pPr algn="l">
               <a:defRPr sz="1200"/>
@@ -224,15 +224,15 @@
         </p:nvSpPr>
         <p:spPr>
           <a:xfrm>
-            <a:off x="3884613" y="0"/>
-            <a:ext cx="2971800" cy="458788"/>
+            <a:off x="3978132" y="0"/>
+            <a:ext cx="3043343" cy="467072"/>
           </a:xfrm>
           <a:prstGeom prst="rect">
             <a:avLst/>
           </a:prstGeom>
         </p:spPr>
         <p:txBody>
-          <a:bodyPr vert="horz" lIns="91440" tIns="45720" rIns="91440" bIns="45720" rtlCol="0"/>
+          <a:bodyPr vert="horz" lIns="93324" tIns="46662" rIns="93324" bIns="46662" rtlCol="0"/>
           <a:lstStyle>
             <a:lvl1pPr algn="r">
               <a:defRPr sz="1200"/>
@@ -259,8 +259,8 @@
         </p:nvSpPr>
         <p:spPr>
           <a:xfrm>
-            <a:off x="685800" y="1143000"/>
-            <a:ext cx="5486400" cy="3086100"/>
+            <a:off x="719138" y="1163638"/>
+            <a:ext cx="5584825" cy="3141662"/>
           </a:xfrm>
           <a:prstGeom prst="rect">
             <a:avLst/>
@@ -273,7 +273,7 @@
           </a:ln>
         </p:spPr>
         <p:txBody>
-          <a:bodyPr vert="horz" lIns="91440" tIns="45720" rIns="91440" bIns="45720" rtlCol="0" anchor="ctr"/>
+          <a:bodyPr vert="horz" lIns="93324" tIns="46662" rIns="93324" bIns="46662" rtlCol="0" anchor="ctr"/>
           <a:lstStyle/>
           <a:p>
             <a:endParaRPr lang="en-US"/>
@@ -292,15 +292,15 @@
         </p:nvSpPr>
         <p:spPr>
           <a:xfrm>
-            <a:off x="685800" y="4400550"/>
-            <a:ext cx="5486400" cy="3600450"/>
+            <a:off x="702310" y="4480004"/>
+            <a:ext cx="5618480" cy="3665458"/>
           </a:xfrm>
           <a:prstGeom prst="rect">
             <a:avLst/>
           </a:prstGeom>
         </p:spPr>
         <p:txBody>
-          <a:bodyPr vert="horz" lIns="91440" tIns="45720" rIns="91440" bIns="45720" rtlCol="0"/>
+          <a:bodyPr vert="horz" lIns="93324" tIns="46662" rIns="93324" bIns="46662" rtlCol="0"/>
           <a:lstStyle/>
           <a:p>
             <a:pPr lvl="0"/>
@@ -351,15 +351,15 @@
         </p:nvSpPr>
         <p:spPr>
           <a:xfrm>
-            <a:off x="0" y="8685213"/>
-            <a:ext cx="2971800" cy="458787"/>
+            <a:off x="0" y="8842030"/>
+            <a:ext cx="3043343" cy="467071"/>
           </a:xfrm>
           <a:prstGeom prst="rect">
             <a:avLst/>
           </a:prstGeom>
         </p:spPr>
         <p:txBody>
-          <a:bodyPr vert="horz" lIns="91440" tIns="45720" rIns="91440" bIns="45720" rtlCol="0" anchor="b"/>
+          <a:bodyPr vert="horz" lIns="93324" tIns="46662" rIns="93324" bIns="46662" rtlCol="0" anchor="b"/>
           <a:lstStyle>
             <a:lvl1pPr algn="l">
               <a:defRPr sz="1200"/>
@@ -382,15 +382,15 @@
         </p:nvSpPr>
         <p:spPr>
           <a:xfrm>
-            <a:off x="3884613" y="8685213"/>
-            <a:ext cx="2971800" cy="458787"/>
+            <a:off x="3978132" y="8842030"/>
+            <a:ext cx="3043343" cy="467071"/>
           </a:xfrm>
           <a:prstGeom prst="rect">
             <a:avLst/>
           </a:prstGeom>
         </p:spPr>
         <p:txBody>
-          <a:bodyPr vert="horz" lIns="91440" tIns="45720" rIns="91440" bIns="45720" rtlCol="0" anchor="b"/>
+          <a:bodyPr vert="horz" lIns="93324" tIns="46662" rIns="93324" bIns="46662" rtlCol="0" anchor="b"/>
           <a:lstStyle>
             <a:lvl1pPr algn="r">
               <a:defRPr sz="1200"/>
@@ -11570,11 +11570,13 @@
           </a:xfrm>
         </p:spPr>
         <p:txBody>
-          <a:bodyPr/>
-          <a:lstStyle/>
-          <a:p>
-            <a:r>
-              <a:rPr lang="en-US" dirty="0"/>
+          <a:bodyPr>
+            <a:normAutofit/>
+          </a:bodyPr>
+          <a:lstStyle/>
+          <a:p>
+            <a:r>
+              <a:rPr lang="en-US" b="1" dirty="0"/>
               <a:t>Pandas</a:t>
             </a:r>
           </a:p>
@@ -11583,6 +11585,29 @@
             <a:r>
               <a:rPr lang="en-US" dirty="0"/>
               <a:t>A fast, powerful, flexible and easy to use open source data analysis and manipulation tool.</a:t>
+            </a:r>
+          </a:p>
+          <a:p>
+            <a:pPr marL="402336" lvl="1" indent="0">
+              <a:buNone/>
+            </a:pPr>
+            <a:endParaRPr lang="en-US" dirty="0"/>
+          </a:p>
+          <a:p>
+            <a:r>
+              <a:rPr lang="en-US" b="1" dirty="0" err="1"/>
+              <a:t>Numpy</a:t>
+            </a:r>
+            <a:r>
+              <a:rPr lang="en-US" b="1" dirty="0"/>
+              <a:t> </a:t>
+            </a:r>
+          </a:p>
+          <a:p>
+            <a:pPr lvl="1"/>
+            <a:r>
+              <a:rPr lang="en-US" dirty="0"/>
+              <a:t>Tool to support working with large, multi-dimensional arrays and matrices, along with a large collection of high-level mathematical functions to operate on these arrays</a:t>
             </a:r>
           </a:p>
           <a:p>
@@ -11591,45 +11616,17 @@
           </a:p>
           <a:p>
             <a:r>
-              <a:rPr lang="en-US" dirty="0" err="1"/>
-              <a:t>Numpy</a:t>
-            </a:r>
-            <a:r>
-              <a:rPr lang="en-US" dirty="0"/>
-              <a:t> </a:t>
-            </a:r>
+              <a:rPr lang="en-US" b="1" dirty="0" err="1"/>
+              <a:t>Plotly</a:t>
+            </a:r>
+            <a:endParaRPr lang="en-US" b="1" dirty="0"/>
           </a:p>
           <a:p>
             <a:pPr lvl="1"/>
             <a:r>
               <a:rPr lang="en-US" dirty="0"/>
-              <a:t>Tool to support working with large, multi-dimensional arrays and matrices, along with a large collection of high-level mathematical functions to operate on these arrays</a:t>
-            </a:r>
-          </a:p>
-          <a:p>
-            <a:pPr lvl="1"/>
-            <a:endParaRPr lang="en-US" dirty="0"/>
-          </a:p>
-          <a:p>
-            <a:r>
-              <a:rPr lang="en-US" dirty="0" err="1"/>
-              <a:t>Plotly</a:t>
-            </a:r>
-            <a:endParaRPr lang="en-US" dirty="0"/>
-          </a:p>
-          <a:p>
-            <a:pPr lvl="1"/>
-            <a:r>
-              <a:rPr lang="en-US" dirty="0"/>
               <a:t>Provides online graphing, analytics, and statistics tools for individuals and collaboration</a:t>
             </a:r>
-            <a:br>
-              <a:rPr lang="en-US" dirty="0"/>
-            </a:br>
-            <a:br>
-              <a:rPr lang="en-US" dirty="0"/>
-            </a:br>
-            <a:endParaRPr lang="en-US" dirty="0"/>
           </a:p>
         </p:txBody>
       </p:sp>
@@ -15772,7 +15769,22 @@
             </a:r>
             <a:r>
               <a:rPr lang="en-US" dirty="0"/>
-              <a:t>command</a:t>
+              <a:t>command	</a:t>
+            </a:r>
+          </a:p>
+          <a:p>
+            <a:r>
+              <a:rPr lang="en-US" dirty="0"/>
+              <a:t>Attributes vs methods in Python</a:t>
+            </a:r>
+          </a:p>
+          <a:p>
+            <a:pPr lvl="1"/>
+            <a:r>
+              <a:rPr lang="en-US" dirty="0">
+                <a:hlinkClick r:id="rId4"/>
+              </a:rPr>
+              <a:t>https://stackoverflow.com/questions/28798781/differences-between-data-attributes-and-method-attributes</a:t>
             </a:r>
             <a:br>
               <a:rPr lang="en-US" dirty="0"/>

--- a/IntroPython_TipsForSuccess.pptx
+++ b/IntroPython_TipsForSuccess.pptx
@@ -241,7 +241,7 @@
           <a:p>
             <a:fld id="{A5E0BFC4-8313-4166-9F8C-AEF6252D3F15}" type="datetimeFigureOut">
               <a:rPr lang="en-US" smtClean="0"/>
-              <a:t>2/12/2020</a:t>
+              <a:t>2/18/2020</a:t>
             </a:fld>
             <a:endParaRPr lang="en-US"/>
           </a:p>
@@ -875,7 +875,7 @@
           <a:p>
             <a:fld id="{697E48F7-EB74-4477-B245-F8CECF7C0C00}" type="datetimeFigureOut">
               <a:rPr lang="en-US" smtClean="0"/>
-              <a:t>2/12/2020</a:t>
+              <a:t>2/18/2020</a:t>
             </a:fld>
             <a:endParaRPr lang="en-US"/>
           </a:p>
@@ -1122,7 +1122,7 @@
           <a:p>
             <a:fld id="{697E48F7-EB74-4477-B245-F8CECF7C0C00}" type="datetimeFigureOut">
               <a:rPr lang="en-US" smtClean="0"/>
-              <a:t>2/12/2020</a:t>
+              <a:t>2/18/2020</a:t>
             </a:fld>
             <a:endParaRPr lang="en-US"/>
           </a:p>
@@ -1508,7 +1508,7 @@
           <a:p>
             <a:fld id="{697E48F7-EB74-4477-B245-F8CECF7C0C00}" type="datetimeFigureOut">
               <a:rPr lang="en-US" smtClean="0"/>
-              <a:t>2/12/2020</a:t>
+              <a:t>2/18/2020</a:t>
             </a:fld>
             <a:endParaRPr lang="en-US"/>
           </a:p>
@@ -1737,7 +1737,7 @@
           <a:p>
             <a:fld id="{697E48F7-EB74-4477-B245-F8CECF7C0C00}" type="datetimeFigureOut">
               <a:rPr lang="en-US" smtClean="0"/>
-              <a:t>2/12/2020</a:t>
+              <a:t>2/18/2020</a:t>
             </a:fld>
             <a:endParaRPr lang="en-US"/>
           </a:p>
@@ -2228,7 +2228,7 @@
           <a:p>
             <a:fld id="{697E48F7-EB74-4477-B245-F8CECF7C0C00}" type="datetimeFigureOut">
               <a:rPr lang="en-US" smtClean="0"/>
-              <a:t>2/12/2020</a:t>
+              <a:t>2/18/2020</a:t>
             </a:fld>
             <a:endParaRPr lang="en-US"/>
           </a:p>
@@ -2538,7 +2538,7 @@
           <a:p>
             <a:fld id="{697E48F7-EB74-4477-B245-F8CECF7C0C00}" type="datetimeFigureOut">
               <a:rPr lang="en-US" smtClean="0"/>
-              <a:t>2/12/2020</a:t>
+              <a:t>2/18/2020</a:t>
             </a:fld>
             <a:endParaRPr lang="en-US"/>
           </a:p>
@@ -2929,7 +2929,7 @@
           <a:p>
             <a:fld id="{697E48F7-EB74-4477-B245-F8CECF7C0C00}" type="datetimeFigureOut">
               <a:rPr lang="en-US" smtClean="0"/>
-              <a:t>2/12/2020</a:t>
+              <a:t>2/18/2020</a:t>
             </a:fld>
             <a:endParaRPr lang="en-US"/>
           </a:p>
@@ -3047,7 +3047,7 @@
           <a:p>
             <a:fld id="{697E48F7-EB74-4477-B245-F8CECF7C0C00}" type="datetimeFigureOut">
               <a:rPr lang="en-US" smtClean="0"/>
-              <a:t>2/12/2020</a:t>
+              <a:t>2/18/2020</a:t>
             </a:fld>
             <a:endParaRPr lang="en-US"/>
           </a:p>
@@ -3142,7 +3142,7 @@
           <a:p>
             <a:fld id="{697E48F7-EB74-4477-B245-F8CECF7C0C00}" type="datetimeFigureOut">
               <a:rPr lang="en-US" smtClean="0"/>
-              <a:t>2/12/2020</a:t>
+              <a:t>2/18/2020</a:t>
             </a:fld>
             <a:endParaRPr lang="en-US"/>
           </a:p>
@@ -3442,7 +3442,7 @@
           <a:p>
             <a:fld id="{697E48F7-EB74-4477-B245-F8CECF7C0C00}" type="datetimeFigureOut">
               <a:rPr lang="en-US" smtClean="0"/>
-              <a:t>2/12/2020</a:t>
+              <a:t>2/18/2020</a:t>
             </a:fld>
             <a:endParaRPr lang="en-US"/>
           </a:p>
@@ -3707,7 +3707,7 @@
           <a:p>
             <a:fld id="{697E48F7-EB74-4477-B245-F8CECF7C0C00}" type="datetimeFigureOut">
               <a:rPr lang="en-US" smtClean="0"/>
-              <a:t>2/12/2020</a:t>
+              <a:t>2/18/2020</a:t>
             </a:fld>
             <a:endParaRPr lang="en-US"/>
           </a:p>
@@ -4125,7 +4125,7 @@
           <a:p>
             <a:fld id="{697E48F7-EB74-4477-B245-F8CECF7C0C00}" type="datetimeFigureOut">
               <a:rPr lang="en-US" smtClean="0"/>
-              <a:t>2/12/2020</a:t>
+              <a:t>2/18/2020</a:t>
             </a:fld>
             <a:endParaRPr lang="en-US"/>
           </a:p>
@@ -6038,7 +6038,7 @@
           <a:p>
             <a:r>
               <a:rPr lang="en-US" dirty="0"/>
-              <a:t>Are you missing important information ?</a:t>
+              <a:t>Are you missing important information?</a:t>
             </a:r>
           </a:p>
           <a:p>
@@ -17487,7 +17487,7 @@
           <a:p>
             <a:r>
               <a:rPr lang="en-US" dirty="0"/>
-              <a:t>Tip #3 - String Cleaning &amp; Variable Creation</a:t>
+              <a:t>Tip #3 - String cleaning &amp; variable creation</a:t>
             </a:r>
           </a:p>
           <a:p>
